--- a/thinktank.pptx
+++ b/thinktank.pptx
@@ -11298,9 +11298,9 @@
         <p:grpSpPr>
           <a:xfrm>
             <a:off x="318325" y="5559752"/>
-            <a:ext cx="2513796" cy="600164"/>
+            <a:ext cx="2513796" cy="769441"/>
             <a:chOff x="580806" y="3430749"/>
-            <a:chExt cx="2920683" cy="600164"/>
+            <a:chExt cx="2920683" cy="769441"/>
           </a:xfrm>
         </p:grpSpPr>
         <p:sp>
@@ -11318,7 +11318,7 @@
           <p:spPr>
             <a:xfrm>
               <a:off x="724522" y="3430749"/>
-              <a:ext cx="2776967" cy="600164"/>
+              <a:ext cx="2776967" cy="769441"/>
             </a:xfrm>
             <a:prstGeom prst="rect">
               <a:avLst/>
@@ -11349,7 +11349,7 @@
                   <a:latin typeface="Meiryo UI" panose="020B0604030504040204" pitchFamily="50" charset="-128"/>
                   <a:ea typeface="Meiryo UI" panose="020B0604030504040204" pitchFamily="50" charset="-128"/>
                 </a:rPr>
-                <a:t>items.GetActions</a:t>
+                <a:t>item.GetActions</a:t>
               </a:r>
               <a:r>
                 <a:rPr kumimoji="1" lang="en-US" altLang="ja-JP" sz="1100" dirty="0">
@@ -11373,6 +11373,22 @@
                   <a:ea typeface="Meiryo UI" panose="020B0604030504040204" pitchFamily="50" charset="-128"/>
                 </a:rPr>
                 <a:t>()</a:t>
+              </a:r>
+            </a:p>
+            <a:p>
+              <a:r>
+                <a:rPr kumimoji="1" lang="en-US" altLang="ja-JP" sz="1100" dirty="0" err="1">
+                  <a:latin typeface="Meiryo UI" panose="020B0604030504040204" pitchFamily="50" charset="-128"/>
+                  <a:ea typeface="Meiryo UI" panose="020B0604030504040204" pitchFamily="50" charset="-128"/>
+                </a:rPr>
+                <a:t>Item.InvokeAction</a:t>
+              </a:r>
+              <a:r>
+                <a:rPr kumimoji="1" lang="en-US" altLang="ja-JP" sz="1100" dirty="0">
+                  <a:latin typeface="Meiryo UI" panose="020B0604030504040204" pitchFamily="50" charset="-128"/>
+                  <a:ea typeface="Meiryo UI" panose="020B0604030504040204" pitchFamily="50" charset="-128"/>
+                </a:rPr>
+                <a:t>($action)</a:t>
               </a:r>
             </a:p>
           </p:txBody>

--- a/thinktank.pptx
+++ b/thinktank.pptx
@@ -253,7 +253,7 @@
           <a:p>
             <a:fld id="{7162B5BB-A2C9-4437-B543-A9FBB452B445}" type="datetimeFigureOut">
               <a:rPr kumimoji="1" lang="ja-JP" altLang="en-US" smtClean="0"/>
-              <a:t>2022/6/28</a:t>
+              <a:t>2022/7/7</a:t>
             </a:fld>
             <a:endParaRPr kumimoji="1" lang="ja-JP" altLang="en-US"/>
           </a:p>
@@ -455,7 +455,7 @@
           <a:p>
             <a:fld id="{7162B5BB-A2C9-4437-B543-A9FBB452B445}" type="datetimeFigureOut">
               <a:rPr kumimoji="1" lang="ja-JP" altLang="en-US" smtClean="0"/>
-              <a:t>2022/6/28</a:t>
+              <a:t>2022/7/7</a:t>
             </a:fld>
             <a:endParaRPr kumimoji="1" lang="ja-JP" altLang="en-US"/>
           </a:p>
@@ -667,7 +667,7 @@
           <a:p>
             <a:fld id="{7162B5BB-A2C9-4437-B543-A9FBB452B445}" type="datetimeFigureOut">
               <a:rPr kumimoji="1" lang="ja-JP" altLang="en-US" smtClean="0"/>
-              <a:t>2022/6/28</a:t>
+              <a:t>2022/7/7</a:t>
             </a:fld>
             <a:endParaRPr kumimoji="1" lang="ja-JP" altLang="en-US"/>
           </a:p>
@@ -869,7 +869,7 @@
           <a:p>
             <a:fld id="{7162B5BB-A2C9-4437-B543-A9FBB452B445}" type="datetimeFigureOut">
               <a:rPr kumimoji="1" lang="ja-JP" altLang="en-US" smtClean="0"/>
-              <a:t>2022/6/28</a:t>
+              <a:t>2022/7/7</a:t>
             </a:fld>
             <a:endParaRPr kumimoji="1" lang="ja-JP" altLang="en-US"/>
           </a:p>
@@ -1113,7 +1113,7 @@
           <a:p>
             <a:fld id="{7162B5BB-A2C9-4437-B543-A9FBB452B445}" type="datetimeFigureOut">
               <a:rPr kumimoji="1" lang="ja-JP" altLang="en-US" smtClean="0"/>
-              <a:t>2022/6/28</a:t>
+              <a:t>2022/7/7</a:t>
             </a:fld>
             <a:endParaRPr kumimoji="1" lang="ja-JP" altLang="en-US"/>
           </a:p>
@@ -1409,7 +1409,7 @@
           <a:p>
             <a:fld id="{7162B5BB-A2C9-4437-B543-A9FBB452B445}" type="datetimeFigureOut">
               <a:rPr kumimoji="1" lang="ja-JP" altLang="en-US" smtClean="0"/>
-              <a:t>2022/6/28</a:t>
+              <a:t>2022/7/7</a:t>
             </a:fld>
             <a:endParaRPr kumimoji="1" lang="ja-JP" altLang="en-US"/>
           </a:p>
@@ -1840,7 +1840,7 @@
           <a:p>
             <a:fld id="{7162B5BB-A2C9-4437-B543-A9FBB452B445}" type="datetimeFigureOut">
               <a:rPr kumimoji="1" lang="ja-JP" altLang="en-US" smtClean="0"/>
-              <a:t>2022/6/28</a:t>
+              <a:t>2022/7/7</a:t>
             </a:fld>
             <a:endParaRPr kumimoji="1" lang="ja-JP" altLang="en-US"/>
           </a:p>
@@ -1958,7 +1958,7 @@
           <a:p>
             <a:fld id="{7162B5BB-A2C9-4437-B543-A9FBB452B445}" type="datetimeFigureOut">
               <a:rPr kumimoji="1" lang="ja-JP" altLang="en-US" smtClean="0"/>
-              <a:t>2022/6/28</a:t>
+              <a:t>2022/7/7</a:t>
             </a:fld>
             <a:endParaRPr kumimoji="1" lang="ja-JP" altLang="en-US"/>
           </a:p>
@@ -2053,7 +2053,7 @@
           <a:p>
             <a:fld id="{7162B5BB-A2C9-4437-B543-A9FBB452B445}" type="datetimeFigureOut">
               <a:rPr kumimoji="1" lang="ja-JP" altLang="en-US" smtClean="0"/>
-              <a:t>2022/6/28</a:t>
+              <a:t>2022/7/7</a:t>
             </a:fld>
             <a:endParaRPr kumimoji="1" lang="ja-JP" altLang="en-US"/>
           </a:p>
@@ -2362,7 +2362,7 @@
           <a:p>
             <a:fld id="{7162B5BB-A2C9-4437-B543-A9FBB452B445}" type="datetimeFigureOut">
               <a:rPr kumimoji="1" lang="ja-JP" altLang="en-US" smtClean="0"/>
-              <a:t>2022/6/28</a:t>
+              <a:t>2022/7/7</a:t>
             </a:fld>
             <a:endParaRPr kumimoji="1" lang="ja-JP" altLang="en-US"/>
           </a:p>
@@ -2619,7 +2619,7 @@
           <a:p>
             <a:fld id="{7162B5BB-A2C9-4437-B543-A9FBB452B445}" type="datetimeFigureOut">
               <a:rPr kumimoji="1" lang="ja-JP" altLang="en-US" smtClean="0"/>
-              <a:t>2022/6/28</a:t>
+              <a:t>2022/7/7</a:t>
             </a:fld>
             <a:endParaRPr kumimoji="1" lang="ja-JP" altLang="en-US"/>
           </a:p>
@@ -2864,7 +2864,7 @@
           <a:p>
             <a:fld id="{7162B5BB-A2C9-4437-B543-A9FBB452B445}" type="datetimeFigureOut">
               <a:rPr kumimoji="1" lang="ja-JP" altLang="en-US" smtClean="0"/>
-              <a:t>2022/6/28</a:t>
+              <a:t>2022/7/7</a:t>
             </a:fld>
             <a:endParaRPr kumimoji="1" lang="ja-JP" altLang="en-US"/>
           </a:p>
@@ -3415,7 +3415,7 @@
         </p:nvSpPr>
         <p:spPr>
           <a:xfrm>
-            <a:off x="3848540" y="1280097"/>
+            <a:off x="3848540" y="1159523"/>
             <a:ext cx="1876981" cy="646986"/>
           </a:xfrm>
           <a:prstGeom prst="roundRect">
@@ -3596,7 +3596,7 @@
         </p:nvSpPr>
         <p:spPr>
           <a:xfrm>
-            <a:off x="473450" y="1368677"/>
+            <a:off x="446404" y="1295729"/>
             <a:ext cx="600731" cy="374571"/>
           </a:xfrm>
           <a:prstGeom prst="roundRect">
@@ -3650,7 +3650,7 @@
         </p:nvSpPr>
         <p:spPr>
           <a:xfrm>
-            <a:off x="1829433" y="1368678"/>
+            <a:off x="1802387" y="1295730"/>
             <a:ext cx="685853" cy="374571"/>
           </a:xfrm>
           <a:prstGeom prst="roundRect">
@@ -3704,7 +3704,7 @@
         </p:nvCxnSpPr>
         <p:spPr>
           <a:xfrm>
-            <a:off x="1074181" y="1555963"/>
+            <a:off x="1047135" y="1483015"/>
             <a:ext cx="755252" cy="1"/>
           </a:xfrm>
           <a:prstGeom prst="line">
@@ -3752,8 +3752,8 @@
         </p:nvCxnSpPr>
         <p:spPr>
           <a:xfrm flipH="1" flipV="1">
-            <a:off x="773816" y="1743248"/>
-            <a:ext cx="658628" cy="492095"/>
+            <a:off x="746770" y="1670300"/>
+            <a:ext cx="685674" cy="565043"/>
           </a:xfrm>
           <a:prstGeom prst="line">
             <a:avLst/>
@@ -3852,9 +3852,9 @@
           <p:nvPr/>
         </p:nvCxnSpPr>
         <p:spPr>
-          <a:xfrm flipH="1" flipV="1">
-            <a:off x="7835394" y="1658853"/>
-            <a:ext cx="104798" cy="624345"/>
+          <a:xfrm flipV="1">
+            <a:off x="7940192" y="1674988"/>
+            <a:ext cx="34884" cy="608210"/>
           </a:xfrm>
           <a:prstGeom prst="straightConnector1">
             <a:avLst/>
@@ -3897,7 +3897,7 @@
         </p:nvSpPr>
         <p:spPr>
           <a:xfrm>
-            <a:off x="7399617" y="1284282"/>
+            <a:off x="7539299" y="1300417"/>
             <a:ext cx="871554" cy="374571"/>
           </a:xfrm>
           <a:prstGeom prst="roundRect">
@@ -4065,8 +4065,8 @@
         </p:nvCxnSpPr>
         <p:spPr>
           <a:xfrm flipH="1">
-            <a:off x="773816" y="619145"/>
-            <a:ext cx="8733" cy="749532"/>
+            <a:off x="746770" y="619145"/>
+            <a:ext cx="35779" cy="676584"/>
           </a:xfrm>
           <a:prstGeom prst="line">
             <a:avLst/>
@@ -4701,8 +4701,8 @@
         </p:nvCxnSpPr>
         <p:spPr>
           <a:xfrm>
-            <a:off x="2515286" y="1555964"/>
-            <a:ext cx="1333254" cy="47626"/>
+            <a:off x="2488240" y="1483016"/>
+            <a:ext cx="1360300" cy="0"/>
           </a:xfrm>
           <a:prstGeom prst="line">
             <a:avLst/>
@@ -4745,8 +4745,8 @@
         </p:nvCxnSpPr>
         <p:spPr>
           <a:xfrm>
-            <a:off x="2515286" y="1555964"/>
-            <a:ext cx="1057650" cy="2154743"/>
+            <a:off x="2488240" y="1483016"/>
+            <a:ext cx="1084696" cy="2227691"/>
           </a:xfrm>
           <a:prstGeom prst="line">
             <a:avLst/>
@@ -4788,9 +4788,9 @@
           <p:nvPr/>
         </p:nvCxnSpPr>
         <p:spPr>
-          <a:xfrm flipH="1">
-            <a:off x="5725521" y="1471568"/>
-            <a:ext cx="1674096" cy="132022"/>
+          <a:xfrm flipH="1" flipV="1">
+            <a:off x="5725521" y="1483016"/>
+            <a:ext cx="1813778" cy="4687"/>
           </a:xfrm>
           <a:prstGeom prst="line">
             <a:avLst/>
@@ -4906,8 +4906,8 @@
         </p:nvCxnSpPr>
         <p:spPr>
           <a:xfrm>
-            <a:off x="4787031" y="1927083"/>
-            <a:ext cx="73180" cy="563412"/>
+            <a:off x="4787031" y="1806509"/>
+            <a:ext cx="73180" cy="683986"/>
           </a:xfrm>
           <a:prstGeom prst="line">
             <a:avLst/>
@@ -5102,141 +5102,6 @@
           </a:solidFill>
         </p:spPr>
       </p:pic>
-      <p:sp>
-        <p:nvSpPr>
-          <p:cNvPr id="248" name="テキスト ボックス 247">
-            <a:extLst>
-              <a:ext uri="{FF2B5EF4-FFF2-40B4-BE49-F238E27FC236}">
-                <a16:creationId xmlns:a16="http://schemas.microsoft.com/office/drawing/2014/main" id="{7C3EEC37-264C-CE58-5B44-4EEF15F785FD}"/>
-              </a:ext>
-            </a:extLst>
-          </p:cNvPr>
-          <p:cNvSpPr txBox="1"/>
-          <p:nvPr/>
-        </p:nvSpPr>
-        <p:spPr>
-          <a:xfrm>
-            <a:off x="-1558996" y="-2110"/>
-            <a:ext cx="1577996" cy="1815882"/>
-          </a:xfrm>
-          <a:prstGeom prst="rect">
-            <a:avLst/>
-          </a:prstGeom>
-          <a:noFill/>
-        </p:spPr>
-        <p:txBody>
-          <a:bodyPr wrap="none" rtlCol="0">
-            <a:spAutoFit/>
-          </a:bodyPr>
-          <a:lstStyle/>
-          <a:p>
-            <a:pPr>
-              <a:tabLst>
-                <a:tab pos="804863" algn="l"/>
-              </a:tabLst>
-            </a:pPr>
-            <a:r>
-              <a:rPr kumimoji="1" lang="en-US" altLang="ja-JP" sz="1400" dirty="0"/>
-              <a:t>&gt;STARTUP</a:t>
-            </a:r>
-          </a:p>
-          <a:p>
-            <a:pPr>
-              <a:tabLst>
-                <a:tab pos="804863" algn="l"/>
-              </a:tabLst>
-            </a:pPr>
-            <a:r>
-              <a:rPr kumimoji="1" lang="en-US" altLang="ja-JP" sz="1400" dirty="0" err="1"/>
-              <a:t>AppMan.Show</a:t>
-            </a:r>
-            <a:r>
-              <a:rPr kumimoji="1" lang="en-US" altLang="ja-JP" sz="1400" dirty="0"/>
-              <a:t>()</a:t>
-            </a:r>
-          </a:p>
-          <a:p>
-            <a:pPr>
-              <a:tabLst>
-                <a:tab pos="804863" algn="l"/>
-              </a:tabLst>
-            </a:pPr>
-            <a:r>
-              <a:rPr kumimoji="1" lang="en-US" altLang="ja-JP" sz="1400" dirty="0" err="1"/>
-              <a:t>Window.OnLoaded</a:t>
-            </a:r>
-            <a:endParaRPr kumimoji="1" lang="en-US" altLang="ja-JP" sz="1400" dirty="0"/>
-          </a:p>
-          <a:p>
-            <a:pPr>
-              <a:tabLst>
-                <a:tab pos="804863" algn="l"/>
-              </a:tabLst>
-            </a:pPr>
-            <a:r>
-              <a:rPr kumimoji="1" lang="en-US" altLang="ja-JP" sz="1400" dirty="0" err="1"/>
-              <a:t>appcon.initialize</a:t>
-            </a:r>
-            <a:r>
-              <a:rPr kumimoji="1" lang="en-US" altLang="ja-JP" sz="1400" dirty="0"/>
-              <a:t>()</a:t>
-            </a:r>
-          </a:p>
-          <a:p>
-            <a:pPr>
-              <a:tabLst>
-                <a:tab pos="804863" algn="l"/>
-              </a:tabLst>
-            </a:pPr>
-            <a:r>
-              <a:rPr kumimoji="1" lang="ja-JP" altLang="en-US" sz="1400" dirty="0"/>
-              <a:t>↓ </a:t>
-            </a:r>
-            <a:r>
-              <a:rPr kumimoji="1" lang="en-US" altLang="ja-JP" sz="1400" dirty="0"/>
-              <a:t>*.default()</a:t>
-            </a:r>
-          </a:p>
-          <a:p>
-            <a:pPr>
-              <a:tabLst>
-                <a:tab pos="804863" algn="l"/>
-              </a:tabLst>
-            </a:pPr>
-            <a:r>
-              <a:rPr kumimoji="1" lang="ja-JP" altLang="en-US" sz="1400" dirty="0"/>
-              <a:t>↓ </a:t>
-            </a:r>
-            <a:r>
-              <a:rPr kumimoji="1" lang="en-US" altLang="ja-JP" sz="1400" dirty="0"/>
-              <a:t>config/status</a:t>
-            </a:r>
-          </a:p>
-          <a:p>
-            <a:pPr>
-              <a:tabLst>
-                <a:tab pos="804863" algn="l"/>
-              </a:tabLst>
-            </a:pPr>
-            <a:r>
-              <a:rPr kumimoji="1" lang="ja-JP" altLang="en-US" sz="1400" dirty="0"/>
-              <a:t>↓ </a:t>
-            </a:r>
-            <a:r>
-              <a:rPr kumimoji="1" lang="en-US" altLang="ja-JP" sz="1400" dirty="0"/>
-              <a:t>*.initialize()</a:t>
-            </a:r>
-          </a:p>
-          <a:p>
-            <a:pPr>
-              <a:tabLst>
-                <a:tab pos="804863" algn="l"/>
-              </a:tabLst>
-            </a:pPr>
-            <a:endParaRPr kumimoji="1" lang="en-US" altLang="ja-JP" sz="1400" dirty="0"/>
-          </a:p>
-        </p:txBody>
-      </p:sp>
       <p:sp>
         <p:nvSpPr>
           <p:cNvPr id="166" name="テキスト ボックス 165">

--- a/thinktank.pptx
+++ b/thinktank.pptx
@@ -3284,7 +3284,7 @@
         </p:nvSpPr>
         <p:spPr>
           <a:xfrm>
-            <a:off x="6678116" y="740020"/>
+            <a:off x="6639440" y="704978"/>
             <a:ext cx="2482064" cy="6035429"/>
           </a:xfrm>
           <a:prstGeom prst="roundRect">
@@ -3350,7 +3350,7 @@
         </p:nvSpPr>
         <p:spPr>
           <a:xfrm>
-            <a:off x="3031712" y="785290"/>
+            <a:off x="3030905" y="735524"/>
             <a:ext cx="3525700" cy="5991255"/>
           </a:xfrm>
           <a:prstGeom prst="roundRect">
@@ -3416,8 +3416,8 @@
         </p:nvSpPr>
         <p:spPr>
           <a:xfrm>
-            <a:off x="3848540" y="1159523"/>
-            <a:ext cx="1876981" cy="646986"/>
+            <a:off x="3292509" y="1178137"/>
+            <a:ext cx="1360098" cy="374571"/>
           </a:xfrm>
           <a:prstGeom prst="roundRect">
             <a:avLst/>
@@ -3451,14 +3451,15 @@
             <a:pPr algn="ctr"/>
             <a:r>
               <a:rPr kumimoji="1" lang="en-US" altLang="ja-JP" sz="1600" dirty="0"/>
-              <a:t>Command(View) </a:t>
-            </a:r>
-          </a:p>
-          <a:p>
-            <a:pPr algn="ctr"/>
+              <a:t>[</a:t>
+            </a:r>
+            <a:r>
+              <a:rPr kumimoji="1" lang="en-US" altLang="ja-JP" sz="1600" dirty="0" err="1"/>
+              <a:t>ScriptBlock</a:t>
+            </a:r>
             <a:r>
               <a:rPr kumimoji="1" lang="en-US" altLang="ja-JP" sz="1600" dirty="0"/>
-              <a:t>Action(Model)</a:t>
+              <a:t>]</a:t>
             </a:r>
             <a:endParaRPr kumimoji="1" lang="ja-JP" altLang="en-US" sz="1600" dirty="0"/>
           </a:p>
@@ -3544,12 +3545,12 @@
         </p:nvSpPr>
         <p:spPr>
           <a:xfrm>
-            <a:off x="234875" y="2235343"/>
-            <a:ext cx="2395137" cy="1993524"/>
+            <a:off x="234875" y="1159523"/>
+            <a:ext cx="2395137" cy="2467799"/>
           </a:xfrm>
           <a:prstGeom prst="roundRect">
             <a:avLst>
-              <a:gd name="adj" fmla="val 12845"/>
+              <a:gd name="adj" fmla="val 8294"/>
             </a:avLst>
           </a:prstGeom>
           <a:ln w="38100"/>
@@ -3597,7 +3598,7 @@
         </p:nvSpPr>
         <p:spPr>
           <a:xfrm>
-            <a:off x="446404" y="1295729"/>
+            <a:off x="446404" y="1475906"/>
             <a:ext cx="600731" cy="374571"/>
           </a:xfrm>
           <a:prstGeom prst="roundRect">
@@ -3651,7 +3652,7 @@
         </p:nvSpPr>
         <p:spPr>
           <a:xfrm>
-            <a:off x="1802387" y="1295730"/>
+            <a:off x="1802387" y="1496763"/>
             <a:ext cx="685853" cy="374571"/>
           </a:xfrm>
           <a:prstGeom prst="roundRect">
@@ -3705,8 +3706,8 @@
         </p:nvCxnSpPr>
         <p:spPr>
           <a:xfrm>
-            <a:off x="1047135" y="1483015"/>
-            <a:ext cx="755252" cy="1"/>
+            <a:off x="1047135" y="1663192"/>
+            <a:ext cx="755252" cy="20857"/>
           </a:xfrm>
           <a:prstGeom prst="line">
             <a:avLst/>
@@ -3735,50 +3736,6 @@
           </a:fontRef>
         </p:style>
       </p:cxnSp>
-      <p:cxnSp>
-        <p:nvCxnSpPr>
-          <p:cNvPr id="12" name="直線コネクタ 11">
-            <a:extLst>
-              <a:ext uri="{FF2B5EF4-FFF2-40B4-BE49-F238E27FC236}">
-                <a16:creationId xmlns:a16="http://schemas.microsoft.com/office/drawing/2014/main" id="{B23ACE9B-8547-9358-1475-3111477FB544}"/>
-              </a:ext>
-            </a:extLst>
-          </p:cNvPr>
-          <p:cNvCxnSpPr>
-            <a:cxnSpLocks/>
-            <a:stCxn id="7" idx="0"/>
-            <a:endCxn id="8" idx="2"/>
-          </p:cNvCxnSpPr>
-          <p:nvPr/>
-        </p:nvCxnSpPr>
-        <p:spPr>
-          <a:xfrm flipH="1" flipV="1">
-            <a:off x="746770" y="1670300"/>
-            <a:ext cx="685674" cy="565043"/>
-          </a:xfrm>
-          <a:prstGeom prst="line">
-            <a:avLst/>
-          </a:prstGeom>
-          <a:ln w="57150">
-            <a:headEnd type="none" w="med" len="med"/>
-            <a:tailEnd type="triangle" w="med" len="med"/>
-          </a:ln>
-        </p:spPr>
-        <p:style>
-          <a:lnRef idx="1">
-            <a:schemeClr val="accent1"/>
-          </a:lnRef>
-          <a:fillRef idx="0">
-            <a:schemeClr val="accent1"/>
-          </a:fillRef>
-          <a:effectRef idx="0">
-            <a:schemeClr val="accent1"/>
-          </a:effectRef>
-          <a:fontRef idx="minor">
-            <a:schemeClr val="tx1"/>
-          </a:fontRef>
-        </p:style>
-      </p:cxnSp>
       <p:sp>
         <p:nvSpPr>
           <p:cNvPr id="16" name="テキスト ボックス 15">
@@ -3793,8 +3750,8 @@
         </p:nvSpPr>
         <p:spPr>
           <a:xfrm>
-            <a:off x="6963032" y="2283198"/>
-            <a:ext cx="1954320" cy="2332051"/>
+            <a:off x="6840334" y="1293764"/>
+            <a:ext cx="1954320" cy="2979739"/>
           </a:xfrm>
           <a:prstGeom prst="roundRect">
             <a:avLst>
@@ -3836,54 +3793,6 @@
           </a:p>
         </p:txBody>
       </p:sp>
-      <p:cxnSp>
-        <p:nvCxnSpPr>
-          <p:cNvPr id="17" name="直線コネクタ 16">
-            <a:extLst>
-              <a:ext uri="{FF2B5EF4-FFF2-40B4-BE49-F238E27FC236}">
-                <a16:creationId xmlns:a16="http://schemas.microsoft.com/office/drawing/2014/main" id="{683BACA1-CC0B-D2E9-B6E2-9F2C362F998A}"/>
-              </a:ext>
-            </a:extLst>
-          </p:cNvPr>
-          <p:cNvCxnSpPr>
-            <a:cxnSpLocks/>
-            <a:stCxn id="16" idx="0"/>
-            <a:endCxn id="20" idx="2"/>
-          </p:cNvCxnSpPr>
-          <p:nvPr/>
-        </p:nvCxnSpPr>
-        <p:spPr>
-          <a:xfrm flipV="1">
-            <a:off x="7940192" y="1674988"/>
-            <a:ext cx="34884" cy="608210"/>
-          </a:xfrm>
-          <a:prstGeom prst="straightConnector1">
-            <a:avLst/>
-          </a:prstGeom>
-          <a:ln w="57150">
-            <a:solidFill>
-              <a:schemeClr val="accent2"/>
-            </a:solidFill>
-            <a:prstDash val="sysDot"/>
-            <a:headEnd type="none" w="med" len="med"/>
-            <a:tailEnd type="arrow" w="med" len="med"/>
-          </a:ln>
-        </p:spPr>
-        <p:style>
-          <a:lnRef idx="1">
-            <a:schemeClr val="accent1"/>
-          </a:lnRef>
-          <a:fillRef idx="0">
-            <a:schemeClr val="accent1"/>
-          </a:fillRef>
-          <a:effectRef idx="0">
-            <a:schemeClr val="accent1"/>
-          </a:effectRef>
-          <a:fontRef idx="minor">
-            <a:schemeClr val="tx1"/>
-          </a:fontRef>
-        </p:style>
-      </p:cxnSp>
       <p:sp>
         <p:nvSpPr>
           <p:cNvPr id="20" name="テキスト ボックス 19">
@@ -3898,7 +3807,7 @@
         </p:nvSpPr>
         <p:spPr>
           <a:xfrm>
-            <a:off x="7539299" y="1300417"/>
+            <a:off x="7339327" y="3727590"/>
             <a:ext cx="871554" cy="374571"/>
           </a:xfrm>
           <a:prstGeom prst="roundRect">
@@ -4067,7 +3976,7 @@
         <p:spPr>
           <a:xfrm flipH="1">
             <a:off x="746770" y="619145"/>
-            <a:ext cx="35779" cy="676584"/>
+            <a:ext cx="35779" cy="856761"/>
           </a:xfrm>
           <a:prstGeom prst="line">
             <a:avLst/>
@@ -4110,8 +4019,8 @@
         </p:nvSpPr>
         <p:spPr>
           <a:xfrm>
-            <a:off x="3572936" y="2490495"/>
-            <a:ext cx="2574549" cy="2440423"/>
+            <a:off x="3449321" y="1850477"/>
+            <a:ext cx="2574549" cy="2221154"/>
           </a:xfrm>
           <a:prstGeom prst="roundRect">
             <a:avLst>
@@ -4171,8 +4080,8 @@
         </p:nvCxnSpPr>
         <p:spPr>
           <a:xfrm flipV="1">
-            <a:off x="6147485" y="3449224"/>
-            <a:ext cx="815547" cy="261483"/>
+            <a:off x="6023870" y="2783634"/>
+            <a:ext cx="816464" cy="177420"/>
           </a:xfrm>
           <a:prstGeom prst="line">
             <a:avLst/>
@@ -4218,8 +4127,8 @@
         </p:nvCxnSpPr>
         <p:spPr>
           <a:xfrm flipH="1" flipV="1">
-            <a:off x="2630012" y="3232105"/>
-            <a:ext cx="942924" cy="478602"/>
+            <a:off x="2630012" y="2393423"/>
+            <a:ext cx="819309" cy="567631"/>
           </a:xfrm>
           <a:prstGeom prst="line">
             <a:avLst/>
@@ -4261,7 +4170,7 @@
         </p:nvSpPr>
         <p:spPr>
           <a:xfrm>
-            <a:off x="3753456" y="2983147"/>
+            <a:off x="3660558" y="2225048"/>
             <a:ext cx="2254463" cy="1815882"/>
           </a:xfrm>
           <a:prstGeom prst="rect">
@@ -4430,7 +4339,7 @@
         </p:nvSpPr>
         <p:spPr>
           <a:xfrm>
-            <a:off x="7229413" y="2682272"/>
+            <a:off x="7158153" y="1697493"/>
             <a:ext cx="1548373" cy="1815882"/>
           </a:xfrm>
           <a:prstGeom prst="rect">
@@ -4547,7 +4456,7 @@
         </p:nvSpPr>
         <p:spPr>
           <a:xfrm>
-            <a:off x="386667" y="2609914"/>
+            <a:off x="470923" y="2043560"/>
             <a:ext cx="1727176" cy="1384995"/>
           </a:xfrm>
           <a:prstGeom prst="rect">
@@ -4701,53 +4610,9 @@
           <p:nvPr/>
         </p:nvCxnSpPr>
         <p:spPr>
-          <a:xfrm>
-            <a:off x="2488240" y="1483016"/>
-            <a:ext cx="1360300" cy="0"/>
-          </a:xfrm>
-          <a:prstGeom prst="line">
-            <a:avLst/>
-          </a:prstGeom>
-          <a:ln w="57150">
-            <a:headEnd type="none" w="med" len="med"/>
-            <a:tailEnd type="triangle" w="med" len="med"/>
-          </a:ln>
-        </p:spPr>
-        <p:style>
-          <a:lnRef idx="1">
-            <a:schemeClr val="accent1"/>
-          </a:lnRef>
-          <a:fillRef idx="0">
-            <a:schemeClr val="accent1"/>
-          </a:fillRef>
-          <a:effectRef idx="0">
-            <a:schemeClr val="accent1"/>
-          </a:effectRef>
-          <a:fontRef idx="minor">
-            <a:schemeClr val="tx1"/>
-          </a:fontRef>
-        </p:style>
-      </p:cxnSp>
-      <p:cxnSp>
-        <p:nvCxnSpPr>
-          <p:cNvPr id="57" name="直線コネクタ 56">
-            <a:extLst>
-              <a:ext uri="{FF2B5EF4-FFF2-40B4-BE49-F238E27FC236}">
-                <a16:creationId xmlns:a16="http://schemas.microsoft.com/office/drawing/2014/main" id="{D35B98C1-52C5-0BE9-60A9-5BB804688752}"/>
-              </a:ext>
-            </a:extLst>
-          </p:cNvPr>
-          <p:cNvCxnSpPr>
-            <a:cxnSpLocks/>
-            <a:stCxn id="9" idx="3"/>
-            <a:endCxn id="72" idx="1"/>
-          </p:cNvCxnSpPr>
-          <p:nvPr/>
-        </p:nvCxnSpPr>
-        <p:spPr>
-          <a:xfrm>
-            <a:off x="2488240" y="1483016"/>
-            <a:ext cx="1084696" cy="2227691"/>
+          <a:xfrm flipV="1">
+            <a:off x="2488240" y="1365423"/>
+            <a:ext cx="804269" cy="318626"/>
           </a:xfrm>
           <a:prstGeom prst="line">
             <a:avLst/>
@@ -4784,14 +4649,14 @@
           <p:cNvCxnSpPr>
             <a:cxnSpLocks/>
             <a:stCxn id="20" idx="1"/>
-            <a:endCxn id="23" idx="3"/>
+            <a:endCxn id="73" idx="3"/>
           </p:cNvCxnSpPr>
           <p:nvPr/>
         </p:nvCxnSpPr>
         <p:spPr>
-          <a:xfrm flipH="1" flipV="1">
-            <a:off x="5725521" y="1483016"/>
-            <a:ext cx="1813778" cy="4687"/>
+          <a:xfrm flipH="1">
+            <a:off x="6214562" y="3914876"/>
+            <a:ext cx="1124765" cy="923947"/>
           </a:xfrm>
           <a:prstGeom prst="line">
             <a:avLst/>
@@ -4907,8 +4772,8 @@
         </p:nvCxnSpPr>
         <p:spPr>
           <a:xfrm>
-            <a:off x="4787031" y="1806509"/>
-            <a:ext cx="73180" cy="683986"/>
+            <a:off x="3972558" y="1552708"/>
+            <a:ext cx="764038" cy="297769"/>
           </a:xfrm>
           <a:prstGeom prst="line">
             <a:avLst/>
@@ -5105,10 +4970,10 @@
       </p:pic>
       <p:sp>
         <p:nvSpPr>
-          <p:cNvPr id="166" name="テキスト ボックス 165">
-            <a:extLst>
-              <a:ext uri="{FF2B5EF4-FFF2-40B4-BE49-F238E27FC236}">
-                <a16:creationId xmlns:a16="http://schemas.microsoft.com/office/drawing/2014/main" id="{22C49522-FBBE-FB18-7EAB-F160F8CE2569}"/>
+          <p:cNvPr id="179" name="テキスト ボックス 178">
+            <a:extLst>
+              <a:ext uri="{FF2B5EF4-FFF2-40B4-BE49-F238E27FC236}">
+                <a16:creationId xmlns:a16="http://schemas.microsoft.com/office/drawing/2014/main" id="{465ABAD4-2D9D-9D9F-094A-AF9CDF01B089}"/>
               </a:ext>
             </a:extLst>
           </p:cNvPr>
@@ -5117,17 +4982,115 @@
         </p:nvSpPr>
         <p:spPr>
           <a:xfrm>
-            <a:off x="6840334" y="4884122"/>
-            <a:ext cx="2219393" cy="1711752"/>
+            <a:off x="1385655" y="2277000"/>
+            <a:ext cx="1153779" cy="1169551"/>
+          </a:xfrm>
+          <a:prstGeom prst="rect">
+            <a:avLst/>
+          </a:prstGeom>
+          <a:noFill/>
+        </p:spPr>
+        <p:txBody>
+          <a:bodyPr wrap="square" rtlCol="0">
+            <a:spAutoFit/>
+          </a:bodyPr>
+          <a:lstStyle/>
+          <a:p>
+            <a:r>
+              <a:rPr kumimoji="1" lang="en-US" altLang="ja-JP" sz="1400" dirty="0">
+                <a:solidFill>
+                  <a:schemeClr val="accent4">
+                    <a:lumMod val="75000"/>
+                  </a:schemeClr>
+                </a:solidFill>
+              </a:rPr>
+              <a:t>.Document</a:t>
+            </a:r>
+          </a:p>
+          <a:p>
+            <a:r>
+              <a:rPr kumimoji="1" lang="en-US" altLang="ja-JP" sz="1400" dirty="0">
+                <a:solidFill>
+                  <a:schemeClr val="accent6">
+                    <a:lumMod val="75000"/>
+                  </a:schemeClr>
+                </a:solidFill>
+              </a:rPr>
+              <a:t>  .Editor</a:t>
+            </a:r>
+          </a:p>
+          <a:p>
+            <a:r>
+              <a:rPr kumimoji="1" lang="en-US" altLang="ja-JP" sz="1400" dirty="0">
+                <a:solidFill>
+                  <a:schemeClr val="accent6">
+                    <a:lumMod val="75000"/>
+                  </a:schemeClr>
+                </a:solidFill>
+              </a:rPr>
+              <a:t>  .Browser</a:t>
+            </a:r>
+          </a:p>
+          <a:p>
+            <a:r>
+              <a:rPr kumimoji="1" lang="en-US" altLang="ja-JP" sz="1400" dirty="0">
+                <a:solidFill>
+                  <a:schemeClr val="accent6">
+                    <a:lumMod val="75000"/>
+                  </a:schemeClr>
+                </a:solidFill>
+              </a:rPr>
+              <a:t>  .Grid</a:t>
+            </a:r>
+          </a:p>
+          <a:p>
+            <a:r>
+              <a:rPr kumimoji="1" lang="en-US" altLang="ja-JP" sz="1400" dirty="0">
+                <a:solidFill>
+                  <a:srgbClr val="EE82CA"/>
+                </a:solidFill>
+              </a:rPr>
+              <a:t>.</a:t>
+            </a:r>
+            <a:r>
+              <a:rPr kumimoji="1" lang="en-US" altLang="ja-JP" sz="1400" dirty="0" err="1">
+                <a:solidFill>
+                  <a:srgbClr val="EE82CA"/>
+                </a:solidFill>
+              </a:rPr>
+              <a:t>PopMenu</a:t>
+            </a:r>
+            <a:endParaRPr kumimoji="1" lang="ja-JP" altLang="en-US" sz="1400" dirty="0">
+              <a:solidFill>
+                <a:srgbClr val="EE82CA"/>
+              </a:solidFill>
+            </a:endParaRPr>
+          </a:p>
+        </p:txBody>
+      </p:sp>
+      <p:sp>
+        <p:nvSpPr>
+          <p:cNvPr id="73" name="テキスト ボックス 72">
+            <a:extLst>
+              <a:ext uri="{FF2B5EF4-FFF2-40B4-BE49-F238E27FC236}">
+                <a16:creationId xmlns:a16="http://schemas.microsoft.com/office/drawing/2014/main" id="{98542EE0-BDE4-0872-AB88-21135C012F86}"/>
+              </a:ext>
+            </a:extLst>
+          </p:cNvPr>
+          <p:cNvSpPr txBox="1"/>
+          <p:nvPr/>
+        </p:nvSpPr>
+        <p:spPr>
+          <a:xfrm>
+            <a:off x="4754307" y="4651537"/>
+            <a:ext cx="1460255" cy="374571"/>
           </a:xfrm>
           <a:prstGeom prst="roundRect">
-            <a:avLst>
-              <a:gd name="adj" fmla="val 12241"/>
-            </a:avLst>
+            <a:avLst/>
           </a:prstGeom>
           <a:ln w="38100">
             <a:solidFill>
-              <a:schemeClr val="accent2"/>
+              <a:schemeClr val="accent6"/>
             </a:solidFill>
           </a:ln>
         </p:spPr>
@@ -5147,14 +5110,14 @@
         </p:style>
         <p:txBody>
           <a:bodyPr wrap="square" rtlCol="0">
-            <a:noAutofit/>
+            <a:spAutoFit/>
           </a:bodyPr>
           <a:lstStyle/>
           <a:p>
             <a:pPr algn="ctr"/>
             <a:r>
-              <a:rPr kumimoji="1" lang="en-US" altLang="ja-JP" sz="1600" dirty="0" err="1"/>
-              <a:t>TTObject</a:t>
+              <a:rPr kumimoji="1" lang="en-US" altLang="ja-JP" sz="1600" dirty="0"/>
+              <a:t>Static::Action</a:t>
             </a:r>
             <a:endParaRPr kumimoji="1" lang="ja-JP" altLang="en-US" sz="1600" dirty="0"/>
           </a:p>
@@ -5162,10 +5125,10 @@
       </p:sp>
       <p:sp>
         <p:nvSpPr>
-          <p:cNvPr id="167" name="テキスト ボックス 166">
-            <a:extLst>
-              <a:ext uri="{FF2B5EF4-FFF2-40B4-BE49-F238E27FC236}">
-                <a16:creationId xmlns:a16="http://schemas.microsoft.com/office/drawing/2014/main" id="{3FBAE7A1-E23D-E35B-8A81-9E0BB3E9EB27}"/>
+          <p:cNvPr id="90" name="テキスト ボックス 89">
+            <a:extLst>
+              <a:ext uri="{FF2B5EF4-FFF2-40B4-BE49-F238E27FC236}">
+                <a16:creationId xmlns:a16="http://schemas.microsoft.com/office/drawing/2014/main" id="{66C480EA-1D9C-E99E-6966-6F888A61E30F}"/>
               </a:ext>
             </a:extLst>
           </p:cNvPr>
@@ -5174,117 +5137,11 @@
         </p:nvSpPr>
         <p:spPr>
           <a:xfrm>
-            <a:off x="7026440" y="5255955"/>
-            <a:ext cx="1954320" cy="1169551"/>
-          </a:xfrm>
-          <a:prstGeom prst="rect">
+            <a:off x="5000197" y="1178137"/>
+            <a:ext cx="1360098" cy="374571"/>
+          </a:xfrm>
+          <a:prstGeom prst="roundRect">
             <a:avLst/>
-          </a:prstGeom>
-          <a:noFill/>
-        </p:spPr>
-        <p:txBody>
-          <a:bodyPr wrap="square" rtlCol="0">
-            <a:spAutoFit/>
-          </a:bodyPr>
-          <a:lstStyle/>
-          <a:p>
-            <a:r>
-              <a:rPr kumimoji="1" lang="en-US" altLang="ja-JP" sz="1400" dirty="0"/>
-              <a:t>[</a:t>
-            </a:r>
-            <a:r>
-              <a:rPr kumimoji="1" lang="en-US" altLang="ja-JP" sz="1400" dirty="0" err="1"/>
-              <a:t>ScriptBlock</a:t>
-            </a:r>
-            <a:r>
-              <a:rPr kumimoji="1" lang="en-US" altLang="ja-JP" sz="1400" dirty="0"/>
-              <a:t>] $</a:t>
-            </a:r>
-            <a:r>
-              <a:rPr kumimoji="1" lang="en-US" altLang="ja-JP" sz="1400" dirty="0" err="1"/>
-              <a:t>OnXXXXX</a:t>
-            </a:r>
-            <a:endParaRPr kumimoji="1" lang="en-US" altLang="ja-JP" sz="1400" dirty="0"/>
-          </a:p>
-          <a:p>
-            <a:r>
-              <a:rPr kumimoji="1" lang="en-US" altLang="ja-JP" sz="1400" dirty="0"/>
-              <a:t>[</a:t>
-            </a:r>
-            <a:r>
-              <a:rPr kumimoji="1" lang="en-US" altLang="ja-JP" sz="1400" dirty="0" err="1"/>
-              <a:t>psobj</a:t>
-            </a:r>
-            <a:r>
-              <a:rPr kumimoji="1" lang="en-US" altLang="ja-JP" sz="1400" dirty="0"/>
-              <a:t>[]] $menus</a:t>
-            </a:r>
-          </a:p>
-          <a:p>
-            <a:r>
-              <a:rPr kumimoji="1" lang="en-US" altLang="ja-JP" sz="1400" dirty="0"/>
-              <a:t>[hash] </a:t>
-            </a:r>
-            <a:r>
-              <a:rPr kumimoji="1" lang="en-US" altLang="ja-JP" sz="1400" dirty="0" err="1"/>
-              <a:t>GetDictionary</a:t>
-            </a:r>
-            <a:r>
-              <a:rPr kumimoji="1" lang="en-US" altLang="ja-JP" sz="1400" dirty="0"/>
-              <a:t>()</a:t>
-            </a:r>
-          </a:p>
-          <a:p>
-            <a:r>
-              <a:rPr kumimoji="1" lang="en-US" altLang="ja-JP" sz="1400" dirty="0"/>
-              <a:t>[hash] </a:t>
-            </a:r>
-            <a:r>
-              <a:rPr kumimoji="1" lang="en-US" altLang="ja-JP" sz="1400" dirty="0" err="1"/>
-              <a:t>GetDisplay</a:t>
-            </a:r>
-            <a:r>
-              <a:rPr kumimoji="1" lang="en-US" altLang="ja-JP" sz="1400" dirty="0"/>
-              <a:t>()</a:t>
-            </a:r>
-          </a:p>
-          <a:p>
-            <a:r>
-              <a:rPr kumimoji="1" lang="en-US" altLang="ja-JP" sz="1400" dirty="0"/>
-              <a:t>[hash] </a:t>
-            </a:r>
-            <a:r>
-              <a:rPr kumimoji="1" lang="en-US" altLang="ja-JP" sz="1400" dirty="0" err="1"/>
-              <a:t>GetActions</a:t>
-            </a:r>
-            <a:r>
-              <a:rPr kumimoji="1" lang="en-US" altLang="ja-JP" sz="1400" dirty="0"/>
-              <a:t>()</a:t>
-            </a:r>
-          </a:p>
-        </p:txBody>
-      </p:sp>
-      <p:sp>
-        <p:nvSpPr>
-          <p:cNvPr id="176" name="テキスト ボックス 175">
-            <a:extLst>
-              <a:ext uri="{FF2B5EF4-FFF2-40B4-BE49-F238E27FC236}">
-                <a16:creationId xmlns:a16="http://schemas.microsoft.com/office/drawing/2014/main" id="{BDD064A7-BD9F-1E88-A22A-E29C64A783F3}"/>
-              </a:ext>
-            </a:extLst>
-          </p:cNvPr>
-          <p:cNvSpPr txBox="1"/>
-          <p:nvPr/>
-        </p:nvSpPr>
-        <p:spPr>
-          <a:xfrm>
-            <a:off x="3572936" y="5169026"/>
-            <a:ext cx="2574549" cy="1196992"/>
-          </a:xfrm>
-          <a:prstGeom prst="roundRect">
-            <a:avLst>
-              <a:gd name="adj" fmla="val 10292"/>
-            </a:avLst>
           </a:prstGeom>
           <a:ln w="38100">
             <a:solidFill>
@@ -5308,21 +5165,123 @@
         </p:style>
         <p:txBody>
           <a:bodyPr wrap="square" rtlCol="0">
-            <a:noAutofit/>
+            <a:spAutoFit/>
           </a:bodyPr>
           <a:lstStyle/>
           <a:p>
             <a:pPr algn="ctr"/>
+            <a:r>
+              <a:rPr kumimoji="1" lang="en-US" altLang="ja-JP" sz="1600" dirty="0" err="1"/>
+              <a:t>ttcmd</a:t>
+            </a:r>
+            <a:r>
+              <a:rPr kumimoji="1" lang="en-US" altLang="ja-JP" sz="1600" dirty="0"/>
+              <a:t>_*</a:t>
+            </a:r>
             <a:endParaRPr kumimoji="1" lang="ja-JP" altLang="en-US" sz="1600" dirty="0"/>
           </a:p>
         </p:txBody>
       </p:sp>
+      <p:cxnSp>
+        <p:nvCxnSpPr>
+          <p:cNvPr id="93" name="直線コネクタ 92">
+            <a:extLst>
+              <a:ext uri="{FF2B5EF4-FFF2-40B4-BE49-F238E27FC236}">
+                <a16:creationId xmlns:a16="http://schemas.microsoft.com/office/drawing/2014/main" id="{9E80EC5E-EE43-7E8E-9C58-0210D9282327}"/>
+              </a:ext>
+            </a:extLst>
+          </p:cNvPr>
+          <p:cNvCxnSpPr>
+            <a:cxnSpLocks/>
+            <a:stCxn id="23" idx="3"/>
+            <a:endCxn id="90" idx="1"/>
+          </p:cNvCxnSpPr>
+          <p:nvPr/>
+        </p:nvCxnSpPr>
+        <p:spPr>
+          <a:xfrm>
+            <a:off x="4652607" y="1365423"/>
+            <a:ext cx="347590" cy="0"/>
+          </a:xfrm>
+          <a:prstGeom prst="line">
+            <a:avLst/>
+          </a:prstGeom>
+          <a:ln w="57150">
+            <a:solidFill>
+              <a:schemeClr val="accent6"/>
+            </a:solidFill>
+            <a:headEnd type="none" w="med" len="med"/>
+            <a:tailEnd type="triangle" w="med" len="med"/>
+          </a:ln>
+        </p:spPr>
+        <p:style>
+          <a:lnRef idx="1">
+            <a:schemeClr val="accent1"/>
+          </a:lnRef>
+          <a:fillRef idx="0">
+            <a:schemeClr val="accent1"/>
+          </a:fillRef>
+          <a:effectRef idx="0">
+            <a:schemeClr val="accent1"/>
+          </a:effectRef>
+          <a:fontRef idx="minor">
+            <a:schemeClr val="tx1"/>
+          </a:fontRef>
+        </p:style>
+      </p:cxnSp>
+      <p:cxnSp>
+        <p:nvCxnSpPr>
+          <p:cNvPr id="94" name="直線コネクタ 93">
+            <a:extLst>
+              <a:ext uri="{FF2B5EF4-FFF2-40B4-BE49-F238E27FC236}">
+                <a16:creationId xmlns:a16="http://schemas.microsoft.com/office/drawing/2014/main" id="{E1CA7F63-3E25-51E2-2037-A09E4CE30788}"/>
+              </a:ext>
+            </a:extLst>
+          </p:cNvPr>
+          <p:cNvCxnSpPr>
+            <a:cxnSpLocks/>
+            <a:stCxn id="90" idx="2"/>
+            <a:endCxn id="72" idx="0"/>
+          </p:cNvCxnSpPr>
+          <p:nvPr/>
+        </p:nvCxnSpPr>
+        <p:spPr>
+          <a:xfrm flipH="1">
+            <a:off x="4736596" y="1552708"/>
+            <a:ext cx="943650" cy="297769"/>
+          </a:xfrm>
+          <a:prstGeom prst="line">
+            <a:avLst/>
+          </a:prstGeom>
+          <a:ln w="57150">
+            <a:solidFill>
+              <a:schemeClr val="accent6"/>
+            </a:solidFill>
+            <a:headEnd type="none" w="med" len="med"/>
+            <a:tailEnd type="triangle" w="med" len="med"/>
+          </a:ln>
+        </p:spPr>
+        <p:style>
+          <a:lnRef idx="1">
+            <a:schemeClr val="accent1"/>
+          </a:lnRef>
+          <a:fillRef idx="0">
+            <a:schemeClr val="accent1"/>
+          </a:fillRef>
+          <a:effectRef idx="0">
+            <a:schemeClr val="accent1"/>
+          </a:effectRef>
+          <a:fontRef idx="minor">
+            <a:schemeClr val="tx1"/>
+          </a:fontRef>
+        </p:style>
+      </p:cxnSp>
       <p:sp>
         <p:nvSpPr>
-          <p:cNvPr id="179" name="テキスト ボックス 178">
-            <a:extLst>
-              <a:ext uri="{FF2B5EF4-FFF2-40B4-BE49-F238E27FC236}">
-                <a16:creationId xmlns:a16="http://schemas.microsoft.com/office/drawing/2014/main" id="{465ABAD4-2D9D-9D9F-094A-AF9CDF01B089}"/>
+          <p:cNvPr id="101" name="テキスト ボックス 100">
+            <a:extLst>
+              <a:ext uri="{FF2B5EF4-FFF2-40B4-BE49-F238E27FC236}">
+                <a16:creationId xmlns:a16="http://schemas.microsoft.com/office/drawing/2014/main" id="{7FD92C28-6C18-3074-C3EA-810A296186B8}"/>
               </a:ext>
             </a:extLst>
           </p:cNvPr>
@@ -5331,115 +5290,17 @@
         </p:nvSpPr>
         <p:spPr>
           <a:xfrm>
-            <a:off x="1344817" y="2800236"/>
-            <a:ext cx="1153779" cy="1169551"/>
-          </a:xfrm>
-          <a:prstGeom prst="rect">
+            <a:off x="3149565" y="4651537"/>
+            <a:ext cx="1240129" cy="374571"/>
+          </a:xfrm>
+          <a:prstGeom prst="roundRect">
             <a:avLst/>
           </a:prstGeom>
-          <a:noFill/>
-        </p:spPr>
-        <p:txBody>
-          <a:bodyPr wrap="square" rtlCol="0">
-            <a:spAutoFit/>
-          </a:bodyPr>
-          <a:lstStyle/>
-          <a:p>
-            <a:r>
-              <a:rPr kumimoji="1" lang="en-US" altLang="ja-JP" sz="1400" dirty="0">
-                <a:solidFill>
-                  <a:schemeClr val="accent4">
-                    <a:lumMod val="75000"/>
-                  </a:schemeClr>
-                </a:solidFill>
-              </a:rPr>
-              <a:t>.Document</a:t>
-            </a:r>
-          </a:p>
-          <a:p>
-            <a:r>
-              <a:rPr kumimoji="1" lang="en-US" altLang="ja-JP" sz="1400" dirty="0">
-                <a:solidFill>
-                  <a:schemeClr val="accent6">
-                    <a:lumMod val="75000"/>
-                  </a:schemeClr>
-                </a:solidFill>
-              </a:rPr>
-              <a:t>  .Editor</a:t>
-            </a:r>
-          </a:p>
-          <a:p>
-            <a:r>
-              <a:rPr kumimoji="1" lang="en-US" altLang="ja-JP" sz="1400" dirty="0">
-                <a:solidFill>
-                  <a:schemeClr val="accent6">
-                    <a:lumMod val="75000"/>
-                  </a:schemeClr>
-                </a:solidFill>
-              </a:rPr>
-              <a:t>  .Browser</a:t>
-            </a:r>
-          </a:p>
-          <a:p>
-            <a:r>
-              <a:rPr kumimoji="1" lang="en-US" altLang="ja-JP" sz="1400" dirty="0">
-                <a:solidFill>
-                  <a:schemeClr val="accent6">
-                    <a:lumMod val="75000"/>
-                  </a:schemeClr>
-                </a:solidFill>
-              </a:rPr>
-              <a:t>  .Grid</a:t>
-            </a:r>
-          </a:p>
-          <a:p>
-            <a:r>
-              <a:rPr kumimoji="1" lang="en-US" altLang="ja-JP" sz="1400" dirty="0">
-                <a:solidFill>
-                  <a:srgbClr val="EE82CA"/>
-                </a:solidFill>
-              </a:rPr>
-              <a:t>.</a:t>
-            </a:r>
-            <a:r>
-              <a:rPr kumimoji="1" lang="en-US" altLang="ja-JP" sz="1400" dirty="0" err="1">
-                <a:solidFill>
-                  <a:srgbClr val="EE82CA"/>
-                </a:solidFill>
-              </a:rPr>
-              <a:t>PopMenu</a:t>
-            </a:r>
-            <a:endParaRPr kumimoji="1" lang="ja-JP" altLang="en-US" sz="1400" dirty="0">
-              <a:solidFill>
-                <a:srgbClr val="EE82CA"/>
-              </a:solidFill>
-            </a:endParaRPr>
-          </a:p>
-        </p:txBody>
-      </p:sp>
-      <p:sp>
-        <p:nvSpPr>
-          <p:cNvPr id="188" name="テキスト ボックス 187">
-            <a:extLst>
-              <a:ext uri="{FF2B5EF4-FFF2-40B4-BE49-F238E27FC236}">
-                <a16:creationId xmlns:a16="http://schemas.microsoft.com/office/drawing/2014/main" id="{62AD47DB-F38C-C0E3-DDB5-B70CF956EDE6}"/>
-              </a:ext>
-            </a:extLst>
-          </p:cNvPr>
-          <p:cNvSpPr txBox="1"/>
-          <p:nvPr/>
-        </p:nvSpPr>
-        <p:spPr>
-          <a:xfrm>
-            <a:off x="226647" y="4429499"/>
-            <a:ext cx="2395137" cy="2241048"/>
-          </a:xfrm>
-          <a:prstGeom prst="roundRect">
-            <a:avLst>
-              <a:gd name="adj" fmla="val 12845"/>
-            </a:avLst>
-          </a:prstGeom>
-          <a:ln w="38100"/>
+          <a:ln w="38100">
+            <a:solidFill>
+              <a:schemeClr val="accent6"/>
+            </a:solidFill>
+          </a:ln>
         </p:spPr>
         <p:style>
           <a:lnRef idx="2">
@@ -5457,167 +5318,164 @@
         </p:style>
         <p:txBody>
           <a:bodyPr wrap="square" rtlCol="0">
-            <a:noAutofit/>
-          </a:bodyPr>
-          <a:lstStyle/>
-          <a:p>
-            <a:pPr algn="ctr"/>
-            <a:endParaRPr kumimoji="1" lang="ja-JP" altLang="en-US" sz="1600" dirty="0"/>
-          </a:p>
-        </p:txBody>
-      </p:sp>
-      <p:sp>
-        <p:nvSpPr>
-          <p:cNvPr id="189" name="テキスト ボックス 188">
-            <a:extLst>
-              <a:ext uri="{FF2B5EF4-FFF2-40B4-BE49-F238E27FC236}">
-                <a16:creationId xmlns:a16="http://schemas.microsoft.com/office/drawing/2014/main" id="{6C002E2F-BF91-B575-F657-5856A46B4DEC}"/>
-              </a:ext>
-            </a:extLst>
-          </p:cNvPr>
-          <p:cNvSpPr txBox="1"/>
-          <p:nvPr/>
-        </p:nvSpPr>
-        <p:spPr>
-          <a:xfrm>
-            <a:off x="409569" y="4548188"/>
-            <a:ext cx="2103481" cy="2031325"/>
-          </a:xfrm>
-          <a:prstGeom prst="rect">
-            <a:avLst/>
-          </a:prstGeom>
-          <a:noFill/>
-        </p:spPr>
-        <p:txBody>
-          <a:bodyPr wrap="square" rtlCol="0">
             <a:spAutoFit/>
           </a:bodyPr>
           <a:lstStyle/>
           <a:p>
-            <a:r>
-              <a:rPr kumimoji="1" lang="en-US" altLang="ja-JP" sz="1400" b="1" dirty="0" err="1">
-                <a:solidFill>
-                  <a:srgbClr val="C00000"/>
-                </a:solidFill>
-              </a:rPr>
-              <a:t>TTAppManager</a:t>
-            </a:r>
-            <a:endParaRPr kumimoji="1" lang="en-US" altLang="ja-JP" sz="1400" b="1" dirty="0">
-              <a:solidFill>
-                <a:srgbClr val="C00000"/>
-              </a:solidFill>
-            </a:endParaRPr>
-          </a:p>
-          <a:p>
-            <a:endParaRPr kumimoji="1" lang="en-US" altLang="ja-JP" sz="1400" b="1" dirty="0">
-              <a:solidFill>
-                <a:schemeClr val="accent6">
-                  <a:lumMod val="75000"/>
-                </a:schemeClr>
-              </a:solidFill>
-            </a:endParaRPr>
-          </a:p>
-          <a:p>
-            <a:r>
-              <a:rPr kumimoji="1" lang="en-US" altLang="ja-JP" sz="1400" b="1" dirty="0" err="1">
-                <a:solidFill>
-                  <a:schemeClr val="accent5">
-                    <a:lumMod val="75000"/>
-                  </a:schemeClr>
-                </a:solidFill>
-              </a:rPr>
-              <a:t>TTPanelManager</a:t>
-            </a:r>
-            <a:endParaRPr kumimoji="1" lang="en-US" altLang="ja-JP" sz="1400" b="1" dirty="0">
-              <a:solidFill>
-                <a:schemeClr val="accent5">
-                  <a:lumMod val="75000"/>
-                </a:schemeClr>
-              </a:solidFill>
-            </a:endParaRPr>
-          </a:p>
-          <a:p>
-            <a:endParaRPr kumimoji="1" lang="en-US" altLang="ja-JP" sz="1400" b="1" dirty="0">
-              <a:solidFill>
-                <a:schemeClr val="accent4">
-                  <a:lumMod val="75000"/>
-                </a:schemeClr>
-              </a:solidFill>
-            </a:endParaRPr>
-          </a:p>
-          <a:p>
-            <a:r>
-              <a:rPr kumimoji="1" lang="en-US" altLang="ja-JP" sz="1400" b="1" dirty="0" err="1">
-                <a:solidFill>
-                  <a:schemeClr val="accent4">
-                    <a:lumMod val="75000"/>
-                  </a:schemeClr>
-                </a:solidFill>
-              </a:rPr>
-              <a:t>TTDocumentManager</a:t>
-            </a:r>
-            <a:endParaRPr kumimoji="1" lang="en-US" altLang="ja-JP" sz="1400" b="1" dirty="0">
-              <a:solidFill>
-                <a:schemeClr val="accent4">
-                  <a:lumMod val="75000"/>
-                </a:schemeClr>
-              </a:solidFill>
-            </a:endParaRPr>
-          </a:p>
-          <a:p>
-            <a:endParaRPr kumimoji="1" lang="en-US" altLang="ja-JP" sz="1400" b="1" dirty="0">
-              <a:solidFill>
-                <a:schemeClr val="accent6">
-                  <a:lumMod val="75000"/>
-                </a:schemeClr>
-              </a:solidFill>
-            </a:endParaRPr>
-          </a:p>
-          <a:p>
-            <a:r>
-              <a:rPr kumimoji="1" lang="en-US" altLang="ja-JP" sz="1400" b="1" dirty="0" err="1">
-                <a:solidFill>
-                  <a:schemeClr val="accent6">
-                    <a:lumMod val="75000"/>
-                  </a:schemeClr>
-                </a:solidFill>
-              </a:rPr>
-              <a:t>TTToolsManager</a:t>
-            </a:r>
-            <a:endParaRPr kumimoji="1" lang="en-US" altLang="ja-JP" sz="1400" b="1" dirty="0">
-              <a:solidFill>
-                <a:schemeClr val="accent6">
-                  <a:lumMod val="75000"/>
-                </a:schemeClr>
-              </a:solidFill>
-            </a:endParaRPr>
-          </a:p>
-          <a:p>
-            <a:endParaRPr kumimoji="1" lang="en-US" altLang="ja-JP" sz="1400" b="1" dirty="0">
-              <a:solidFill>
-                <a:schemeClr val="accent2">
-                  <a:lumMod val="75000"/>
-                </a:schemeClr>
-              </a:solidFill>
-            </a:endParaRPr>
-          </a:p>
-          <a:p>
-            <a:r>
-              <a:rPr kumimoji="1" lang="en-US" altLang="ja-JP" sz="1400" b="1" dirty="0" err="1">
-                <a:solidFill>
-                  <a:srgbClr val="EE82CA"/>
-                </a:solidFill>
-              </a:rPr>
-              <a:t>TTPopupMenuManager</a:t>
-            </a:r>
-            <a:endParaRPr kumimoji="1" lang="en-US" altLang="ja-JP" sz="1400" dirty="0">
-              <a:solidFill>
-                <a:srgbClr val="EE82CA"/>
-              </a:solidFill>
-            </a:endParaRPr>
+            <a:pPr algn="ctr"/>
+            <a:r>
+              <a:rPr kumimoji="1" lang="en-US" altLang="ja-JP" sz="1600" dirty="0" err="1"/>
+              <a:t>ttact</a:t>
+            </a:r>
+            <a:r>
+              <a:rPr kumimoji="1" lang="en-US" altLang="ja-JP" sz="1600" dirty="0"/>
+              <a:t>_*</a:t>
+            </a:r>
+            <a:endParaRPr kumimoji="1" lang="ja-JP" altLang="en-US" sz="1600" dirty="0"/>
           </a:p>
         </p:txBody>
       </p:sp>
+      <p:cxnSp>
+        <p:nvCxnSpPr>
+          <p:cNvPr id="102" name="直線コネクタ 101">
+            <a:extLst>
+              <a:ext uri="{FF2B5EF4-FFF2-40B4-BE49-F238E27FC236}">
+                <a16:creationId xmlns:a16="http://schemas.microsoft.com/office/drawing/2014/main" id="{A0F456CD-771F-BA9C-CC0D-E724DB9294C2}"/>
+              </a:ext>
+            </a:extLst>
+          </p:cNvPr>
+          <p:cNvCxnSpPr>
+            <a:cxnSpLocks/>
+            <a:stCxn id="73" idx="1"/>
+            <a:endCxn id="101" idx="3"/>
+          </p:cNvCxnSpPr>
+          <p:nvPr/>
+        </p:nvCxnSpPr>
+        <p:spPr>
+          <a:xfrm flipH="1">
+            <a:off x="4389694" y="4838823"/>
+            <a:ext cx="364613" cy="0"/>
+          </a:xfrm>
+          <a:prstGeom prst="line">
+            <a:avLst/>
+          </a:prstGeom>
+          <a:ln w="57150">
+            <a:solidFill>
+              <a:schemeClr val="accent6"/>
+            </a:solidFill>
+            <a:headEnd type="none" w="med" len="med"/>
+            <a:tailEnd type="triangle" w="med" len="med"/>
+          </a:ln>
+        </p:spPr>
+        <p:style>
+          <a:lnRef idx="1">
+            <a:schemeClr val="accent1"/>
+          </a:lnRef>
+          <a:fillRef idx="0">
+            <a:schemeClr val="accent1"/>
+          </a:fillRef>
+          <a:effectRef idx="0">
+            <a:schemeClr val="accent1"/>
+          </a:effectRef>
+          <a:fontRef idx="minor">
+            <a:schemeClr val="tx1"/>
+          </a:fontRef>
+        </p:style>
+      </p:cxnSp>
+      <p:cxnSp>
+        <p:nvCxnSpPr>
+          <p:cNvPr id="109" name="直線コネクタ 108">
+            <a:extLst>
+              <a:ext uri="{FF2B5EF4-FFF2-40B4-BE49-F238E27FC236}">
+                <a16:creationId xmlns:a16="http://schemas.microsoft.com/office/drawing/2014/main" id="{F3E07B86-85B4-CE1F-E030-750F73F26D19}"/>
+              </a:ext>
+            </a:extLst>
+          </p:cNvPr>
+          <p:cNvCxnSpPr>
+            <a:cxnSpLocks/>
+            <a:stCxn id="73" idx="0"/>
+            <a:endCxn id="72" idx="2"/>
+          </p:cNvCxnSpPr>
+          <p:nvPr/>
+        </p:nvCxnSpPr>
+        <p:spPr>
+          <a:xfrm flipH="1" flipV="1">
+            <a:off x="4736596" y="4071631"/>
+            <a:ext cx="747839" cy="579906"/>
+          </a:xfrm>
+          <a:prstGeom prst="line">
+            <a:avLst/>
+          </a:prstGeom>
+          <a:ln w="57150">
+            <a:solidFill>
+              <a:schemeClr val="accent6"/>
+            </a:solidFill>
+            <a:headEnd type="none" w="med" len="med"/>
+            <a:tailEnd type="triangle" w="med" len="med"/>
+          </a:ln>
+        </p:spPr>
+        <p:style>
+          <a:lnRef idx="1">
+            <a:schemeClr val="accent1"/>
+          </a:lnRef>
+          <a:fillRef idx="0">
+            <a:schemeClr val="accent1"/>
+          </a:fillRef>
+          <a:effectRef idx="0">
+            <a:schemeClr val="accent1"/>
+          </a:effectRef>
+          <a:fontRef idx="minor">
+            <a:schemeClr val="tx1"/>
+          </a:fontRef>
+        </p:style>
+      </p:cxnSp>
+      <p:cxnSp>
+        <p:nvCxnSpPr>
+          <p:cNvPr id="110" name="直線コネクタ 109">
+            <a:extLst>
+              <a:ext uri="{FF2B5EF4-FFF2-40B4-BE49-F238E27FC236}">
+                <a16:creationId xmlns:a16="http://schemas.microsoft.com/office/drawing/2014/main" id="{F1ED3249-95DE-3CAC-1D90-2894573D6DBA}"/>
+              </a:ext>
+            </a:extLst>
+          </p:cNvPr>
+          <p:cNvCxnSpPr>
+            <a:cxnSpLocks/>
+            <a:stCxn id="101" idx="0"/>
+            <a:endCxn id="72" idx="2"/>
+          </p:cNvCxnSpPr>
+          <p:nvPr/>
+        </p:nvCxnSpPr>
+        <p:spPr>
+          <a:xfrm flipV="1">
+            <a:off x="3769630" y="4071631"/>
+            <a:ext cx="966966" cy="579906"/>
+          </a:xfrm>
+          <a:prstGeom prst="line">
+            <a:avLst/>
+          </a:prstGeom>
+          <a:ln w="57150">
+            <a:solidFill>
+              <a:schemeClr val="accent6"/>
+            </a:solidFill>
+            <a:headEnd type="none" w="med" len="med"/>
+            <a:tailEnd type="triangle" w="med" len="med"/>
+          </a:ln>
+        </p:spPr>
+        <p:style>
+          <a:lnRef idx="1">
+            <a:schemeClr val="accent1"/>
+          </a:lnRef>
+          <a:fillRef idx="0">
+            <a:schemeClr val="accent1"/>
+          </a:fillRef>
+          <a:effectRef idx="0">
+            <a:schemeClr val="accent1"/>
+          </a:effectRef>
+          <a:fontRef idx="minor">
+            <a:schemeClr val="tx1"/>
+          </a:fontRef>
+        </p:style>
+      </p:cxnSp>
     </p:spTree>
     <p:extLst>
       <p:ext uri="{BB962C8B-B14F-4D97-AF65-F5344CB8AC3E}">
@@ -7697,12 +7555,241 @@
           </p:style>
         </p:cxnSp>
       </p:grpSp>
+      <p:sp>
+        <p:nvSpPr>
+          <p:cNvPr id="75" name="テキスト ボックス 74">
+            <a:extLst>
+              <a:ext uri="{FF2B5EF4-FFF2-40B4-BE49-F238E27FC236}">
+                <a16:creationId xmlns:a16="http://schemas.microsoft.com/office/drawing/2014/main" id="{4F8399F8-9AA1-04A3-7285-374A40D7FC08}"/>
+              </a:ext>
+            </a:extLst>
+          </p:cNvPr>
+          <p:cNvSpPr txBox="1"/>
+          <p:nvPr/>
+        </p:nvSpPr>
+        <p:spPr>
+          <a:xfrm>
+            <a:off x="22282" y="33813"/>
+            <a:ext cx="1295547" cy="369332"/>
+          </a:xfrm>
+          <a:prstGeom prst="rect">
+            <a:avLst/>
+          </a:prstGeom>
+          <a:noFill/>
+        </p:spPr>
+        <p:txBody>
+          <a:bodyPr wrap="none" rtlCol="0">
+            <a:spAutoFit/>
+          </a:bodyPr>
+          <a:lstStyle/>
+          <a:p>
+            <a:r>
+              <a:rPr kumimoji="1" lang="en-US" altLang="ja-JP" u="sng" dirty="0"/>
+              <a:t>Load memo</a:t>
+            </a:r>
+            <a:endParaRPr kumimoji="1" lang="ja-JP" altLang="en-US" u="sng" dirty="0"/>
+          </a:p>
+        </p:txBody>
+      </p:sp>
+      <p:sp>
+        <p:nvSpPr>
+          <p:cNvPr id="72" name="テキスト ボックス 71">
+            <a:extLst>
+              <a:ext uri="{FF2B5EF4-FFF2-40B4-BE49-F238E27FC236}">
+                <a16:creationId xmlns:a16="http://schemas.microsoft.com/office/drawing/2014/main" id="{0B06B5BD-DC43-A795-9FFF-11011921B9D9}"/>
+              </a:ext>
+            </a:extLst>
+          </p:cNvPr>
+          <p:cNvSpPr txBox="1"/>
+          <p:nvPr/>
+        </p:nvSpPr>
+        <p:spPr>
+          <a:xfrm>
+            <a:off x="1370566" y="1143109"/>
+            <a:ext cx="1412566" cy="261610"/>
+          </a:xfrm>
+          <a:prstGeom prst="rect">
+            <a:avLst/>
+          </a:prstGeom>
+        </p:spPr>
+        <p:style>
+          <a:lnRef idx="2">
+            <a:schemeClr val="accent1"/>
+          </a:lnRef>
+          <a:fillRef idx="1">
+            <a:schemeClr val="lt1"/>
+          </a:fillRef>
+          <a:effectRef idx="0">
+            <a:schemeClr val="accent1"/>
+          </a:effectRef>
+          <a:fontRef idx="minor">
+            <a:schemeClr val="dk1"/>
+          </a:fontRef>
+        </p:style>
+        <p:txBody>
+          <a:bodyPr wrap="none" rtlCol="0">
+            <a:spAutoFit/>
+          </a:bodyPr>
+          <a:lstStyle/>
+          <a:p>
+            <a:r>
+              <a:rPr kumimoji="1" lang="en-US" altLang="ja-JP" sz="1100" dirty="0">
+                <a:latin typeface="Meiryo UI" panose="020B0604030504040204" pitchFamily="50" charset="-128"/>
+                <a:ea typeface="Meiryo UI" panose="020B0604030504040204" pitchFamily="50" charset="-128"/>
+              </a:rPr>
+              <a:t>‘Panel’ Alt</a:t>
+            </a:r>
+            <a:r>
+              <a:rPr kumimoji="1" lang="ja-JP" altLang="en-US" sz="1100" dirty="0">
+                <a:latin typeface="Meiryo UI" panose="020B0604030504040204" pitchFamily="50" charset="-128"/>
+                <a:ea typeface="Meiryo UI" panose="020B0604030504040204" pitchFamily="50" charset="-128"/>
+              </a:rPr>
+              <a:t>＋</a:t>
+            </a:r>
+            <a:r>
+              <a:rPr kumimoji="1" lang="en-US" altLang="ja-JP" sz="1100" dirty="0">
+                <a:latin typeface="Meiryo UI" panose="020B0604030504040204" pitchFamily="50" charset="-128"/>
+                <a:ea typeface="Meiryo UI" panose="020B0604030504040204" pitchFamily="50" charset="-128"/>
+              </a:rPr>
+              <a:t>Space</a:t>
+            </a:r>
+            <a:endParaRPr kumimoji="1" lang="ja-JP" altLang="en-US" sz="1100" dirty="0">
+              <a:latin typeface="Meiryo UI" panose="020B0604030504040204" pitchFamily="50" charset="-128"/>
+              <a:ea typeface="Meiryo UI" panose="020B0604030504040204" pitchFamily="50" charset="-128"/>
+            </a:endParaRPr>
+          </a:p>
+        </p:txBody>
+      </p:sp>
+      <p:sp>
+        <p:nvSpPr>
+          <p:cNvPr id="45" name="テキスト ボックス 44">
+            <a:extLst>
+              <a:ext uri="{FF2B5EF4-FFF2-40B4-BE49-F238E27FC236}">
+                <a16:creationId xmlns:a16="http://schemas.microsoft.com/office/drawing/2014/main" id="{ED83399D-C227-6A03-78E8-2402E88BD1D0}"/>
+              </a:ext>
+            </a:extLst>
+          </p:cNvPr>
+          <p:cNvSpPr txBox="1"/>
+          <p:nvPr/>
+        </p:nvSpPr>
+        <p:spPr>
+          <a:xfrm>
+            <a:off x="1153372" y="2228862"/>
+            <a:ext cx="1681871" cy="261610"/>
+          </a:xfrm>
+          <a:prstGeom prst="rect">
+            <a:avLst/>
+          </a:prstGeom>
+        </p:spPr>
+        <p:style>
+          <a:lnRef idx="2">
+            <a:schemeClr val="accent1"/>
+          </a:lnRef>
+          <a:fillRef idx="1">
+            <a:schemeClr val="lt1"/>
+          </a:fillRef>
+          <a:effectRef idx="0">
+            <a:schemeClr val="accent1"/>
+          </a:effectRef>
+          <a:fontRef idx="minor">
+            <a:schemeClr val="dk1"/>
+          </a:fontRef>
+        </p:style>
+        <p:txBody>
+          <a:bodyPr wrap="none" rtlCol="0">
+            <a:spAutoFit/>
+          </a:bodyPr>
+          <a:lstStyle/>
+          <a:p>
+            <a:r>
+              <a:rPr kumimoji="1" lang="en-US" altLang="ja-JP" sz="1100" dirty="0">
+                <a:latin typeface="Meiryo UI" panose="020B0604030504040204" pitchFamily="50" charset="-128"/>
+                <a:ea typeface="Meiryo UI" panose="020B0604030504040204" pitchFamily="50" charset="-128"/>
+              </a:rPr>
+              <a:t>‘Panel’ mouse </a:t>
+            </a:r>
+            <a:r>
+              <a:rPr kumimoji="1" lang="en-US" altLang="ja-JP" sz="1100" dirty="0" err="1">
+                <a:latin typeface="Meiryo UI" panose="020B0604030504040204" pitchFamily="50" charset="-128"/>
+                <a:ea typeface="Meiryo UI" panose="020B0604030504040204" pitchFamily="50" charset="-128"/>
+              </a:rPr>
+              <a:t>dblclick</a:t>
+            </a:r>
+            <a:endParaRPr kumimoji="1" lang="ja-JP" altLang="en-US" sz="1100" dirty="0">
+              <a:latin typeface="Meiryo UI" panose="020B0604030504040204" pitchFamily="50" charset="-128"/>
+              <a:ea typeface="Meiryo UI" panose="020B0604030504040204" pitchFamily="50" charset="-128"/>
+            </a:endParaRPr>
+          </a:p>
+        </p:txBody>
+      </p:sp>
+      <p:sp>
+        <p:nvSpPr>
+          <p:cNvPr id="46" name="テキスト ボックス 45">
+            <a:extLst>
+              <a:ext uri="{FF2B5EF4-FFF2-40B4-BE49-F238E27FC236}">
+                <a16:creationId xmlns:a16="http://schemas.microsoft.com/office/drawing/2014/main" id="{CA7426B8-BC93-CC19-CDAE-96817631F1B0}"/>
+              </a:ext>
+            </a:extLst>
+          </p:cNvPr>
+          <p:cNvSpPr txBox="1"/>
+          <p:nvPr/>
+        </p:nvSpPr>
+        <p:spPr>
+          <a:xfrm>
+            <a:off x="1182795" y="4432479"/>
+            <a:ext cx="1475084" cy="261610"/>
+          </a:xfrm>
+          <a:prstGeom prst="rect">
+            <a:avLst/>
+          </a:prstGeom>
+        </p:spPr>
+        <p:style>
+          <a:lnRef idx="2">
+            <a:schemeClr val="accent1"/>
+          </a:lnRef>
+          <a:fillRef idx="1">
+            <a:schemeClr val="lt1"/>
+          </a:fillRef>
+          <a:effectRef idx="0">
+            <a:schemeClr val="accent1"/>
+          </a:effectRef>
+          <a:fontRef idx="minor">
+            <a:schemeClr val="dk1"/>
+          </a:fontRef>
+        </p:style>
+        <p:txBody>
+          <a:bodyPr wrap="none" rtlCol="0">
+            <a:spAutoFit/>
+          </a:bodyPr>
+          <a:lstStyle/>
+          <a:p>
+            <a:r>
+              <a:rPr kumimoji="1" lang="en-US" altLang="ja-JP" sz="1100" dirty="0">
+                <a:latin typeface="Meiryo UI" panose="020B0604030504040204" pitchFamily="50" charset="-128"/>
+                <a:ea typeface="Meiryo UI" panose="020B0604030504040204" pitchFamily="50" charset="-128"/>
+              </a:rPr>
+              <a:t>‘Editor’ </a:t>
+            </a:r>
+            <a:r>
+              <a:rPr kumimoji="1" lang="en-US" altLang="ja-JP" sz="1100" dirty="0" err="1">
+                <a:latin typeface="Meiryo UI" panose="020B0604030504040204" pitchFamily="50" charset="-128"/>
+                <a:ea typeface="Meiryo UI" panose="020B0604030504040204" pitchFamily="50" charset="-128"/>
+              </a:rPr>
+              <a:t>Ctrl+Space</a:t>
+            </a:r>
+            <a:endParaRPr kumimoji="1" lang="ja-JP" altLang="en-US" sz="1100" dirty="0">
+              <a:latin typeface="Meiryo UI" panose="020B0604030504040204" pitchFamily="50" charset="-128"/>
+              <a:ea typeface="Meiryo UI" panose="020B0604030504040204" pitchFamily="50" charset="-128"/>
+            </a:endParaRPr>
+          </a:p>
+        </p:txBody>
+      </p:sp>
       <p:grpSp>
         <p:nvGrpSpPr>
-          <p:cNvPr id="56" name="グループ化 55">
-            <a:extLst>
-              <a:ext uri="{FF2B5EF4-FFF2-40B4-BE49-F238E27FC236}">
-                <a16:creationId xmlns:a16="http://schemas.microsoft.com/office/drawing/2014/main" id="{54B4E461-6503-EBE9-4F51-4AF717E1F993}"/>
+          <p:cNvPr id="47" name="グループ化 46">
+            <a:extLst>
+              <a:ext uri="{FF2B5EF4-FFF2-40B4-BE49-F238E27FC236}">
+                <a16:creationId xmlns:a16="http://schemas.microsoft.com/office/drawing/2014/main" id="{AADA7DFC-329D-3190-BA6C-72EA42BC8738}"/>
               </a:ext>
             </a:extLst>
           </p:cNvPr>
@@ -7711,18 +7798,18 @@
         </p:nvGrpSpPr>
         <p:grpSpPr>
           <a:xfrm>
-            <a:off x="3376145" y="4891085"/>
-            <a:ext cx="2148642" cy="600164"/>
-            <a:chOff x="580806" y="3430749"/>
-            <a:chExt cx="1947709" cy="600164"/>
+            <a:off x="1833499" y="1457128"/>
+            <a:ext cx="2208350" cy="261610"/>
+            <a:chOff x="565813" y="3439484"/>
+            <a:chExt cx="2208350" cy="261610"/>
           </a:xfrm>
         </p:grpSpPr>
         <p:sp>
           <p:nvSpPr>
-            <p:cNvPr id="57" name="テキスト ボックス 56">
+            <p:cNvPr id="48" name="テキスト ボックス 47">
               <a:extLst>
                 <a:ext uri="{FF2B5EF4-FFF2-40B4-BE49-F238E27FC236}">
-                  <a16:creationId xmlns:a16="http://schemas.microsoft.com/office/drawing/2014/main" id="{30DECE33-FBF4-7730-4BB0-233D02431949}"/>
+                  <a16:creationId xmlns:a16="http://schemas.microsoft.com/office/drawing/2014/main" id="{9178C247-D707-90AB-DFA0-F2348010E22E}"/>
                 </a:ext>
               </a:extLst>
             </p:cNvPr>
@@ -7731,8 +7818,8 @@
           </p:nvSpPr>
           <p:spPr>
             <a:xfrm>
-              <a:off x="724524" y="3430749"/>
-              <a:ext cx="1803991" cy="600164"/>
+              <a:off x="698364" y="3439484"/>
+              <a:ext cx="2075799" cy="261610"/>
             </a:xfrm>
             <a:prstGeom prst="rect">
               <a:avLst/>
@@ -7750,7 +7837,234 @@
                   <a:latin typeface="Meiryo UI" panose="020B0604030504040204" pitchFamily="50" charset="-128"/>
                   <a:ea typeface="Meiryo UI" panose="020B0604030504040204" pitchFamily="50" charset="-128"/>
                 </a:rPr>
-                <a:t>tools.editor.paste</a:t>
+                <a:t>ttcmd_panel_action_invoke</a:t>
+              </a:r>
+              <a:endParaRPr kumimoji="1" lang="en-US" altLang="ja-JP" sz="1100" dirty="0">
+                <a:latin typeface="Meiryo UI" panose="020B0604030504040204" pitchFamily="50" charset="-128"/>
+                <a:ea typeface="Meiryo UI" panose="020B0604030504040204" pitchFamily="50" charset="-128"/>
+              </a:endParaRPr>
+            </a:p>
+          </p:txBody>
+        </p:sp>
+        <p:sp>
+          <p:nvSpPr>
+            <p:cNvPr id="49" name="ひし形 48">
+              <a:extLst>
+                <a:ext uri="{FF2B5EF4-FFF2-40B4-BE49-F238E27FC236}">
+                  <a16:creationId xmlns:a16="http://schemas.microsoft.com/office/drawing/2014/main" id="{D879EB64-CB65-641C-F43E-2032D3D93F8A}"/>
+                </a:ext>
+              </a:extLst>
+            </p:cNvPr>
+            <p:cNvSpPr/>
+            <p:nvPr/>
+          </p:nvSpPr>
+          <p:spPr>
+            <a:xfrm>
+              <a:off x="565813" y="3503679"/>
+              <a:ext cx="150313" cy="162838"/>
+            </a:xfrm>
+            <a:prstGeom prst="diamond">
+              <a:avLst/>
+            </a:prstGeom>
+          </p:spPr>
+          <p:style>
+            <a:lnRef idx="2">
+              <a:schemeClr val="dk1"/>
+            </a:lnRef>
+            <a:fillRef idx="1">
+              <a:schemeClr val="lt1"/>
+            </a:fillRef>
+            <a:effectRef idx="0">
+              <a:schemeClr val="dk1"/>
+            </a:effectRef>
+            <a:fontRef idx="minor">
+              <a:schemeClr val="dk1"/>
+            </a:fontRef>
+          </p:style>
+          <p:txBody>
+            <a:bodyPr wrap="none" rtlCol="0" anchor="ctr"/>
+            <a:lstStyle/>
+            <a:p>
+              <a:endParaRPr kumimoji="1" lang="ja-JP" altLang="en-US" sz="1050" dirty="0">
+                <a:solidFill>
+                  <a:schemeClr val="tx1"/>
+                </a:solidFill>
+              </a:endParaRPr>
+            </a:p>
+          </p:txBody>
+        </p:sp>
+      </p:grpSp>
+      <p:grpSp>
+        <p:nvGrpSpPr>
+          <p:cNvPr id="50" name="グループ化 49">
+            <a:extLst>
+              <a:ext uri="{FF2B5EF4-FFF2-40B4-BE49-F238E27FC236}">
+                <a16:creationId xmlns:a16="http://schemas.microsoft.com/office/drawing/2014/main" id="{A551C702-A888-07F2-9C7D-A13BDD0C9CD7}"/>
+              </a:ext>
+            </a:extLst>
+          </p:cNvPr>
+          <p:cNvGrpSpPr/>
+          <p:nvPr/>
+        </p:nvGrpSpPr>
+        <p:grpSpPr>
+          <a:xfrm>
+            <a:off x="1823092" y="2534974"/>
+            <a:ext cx="2690053" cy="261610"/>
+            <a:chOff x="565813" y="3439484"/>
+            <a:chExt cx="2690053" cy="261610"/>
+          </a:xfrm>
+        </p:grpSpPr>
+        <p:sp>
+          <p:nvSpPr>
+            <p:cNvPr id="51" name="テキスト ボックス 50">
+              <a:extLst>
+                <a:ext uri="{FF2B5EF4-FFF2-40B4-BE49-F238E27FC236}">
+                  <a16:creationId xmlns:a16="http://schemas.microsoft.com/office/drawing/2014/main" id="{695FA6AD-070B-0B95-A356-BA41E1306F65}"/>
+                </a:ext>
+              </a:extLst>
+            </p:cNvPr>
+            <p:cNvSpPr txBox="1"/>
+            <p:nvPr/>
+          </p:nvSpPr>
+          <p:spPr>
+            <a:xfrm>
+              <a:off x="698364" y="3439484"/>
+              <a:ext cx="2557502" cy="261610"/>
+            </a:xfrm>
+            <a:prstGeom prst="rect">
+              <a:avLst/>
+            </a:prstGeom>
+            <a:noFill/>
+          </p:spPr>
+          <p:txBody>
+            <a:bodyPr wrap="square" rtlCol="0">
+              <a:spAutoFit/>
+            </a:bodyPr>
+            <a:lstStyle/>
+            <a:p>
+              <a:r>
+                <a:rPr kumimoji="1" lang="en-US" altLang="ja-JP" sz="1100" dirty="0">
+                  <a:latin typeface="Meiryo UI" panose="020B0604030504040204" pitchFamily="50" charset="-128"/>
+                  <a:ea typeface="Meiryo UI" panose="020B0604030504040204" pitchFamily="50" charset="-128"/>
+                </a:rPr>
+                <a:t>$</a:t>
+              </a:r>
+              <a:r>
+                <a:rPr kumimoji="1" lang="en-US" altLang="ja-JP" sz="1100" dirty="0" err="1">
+                  <a:latin typeface="Meiryo UI" panose="020B0604030504040204" pitchFamily="50" charset="-128"/>
+                  <a:ea typeface="Meiryo UI" panose="020B0604030504040204" pitchFamily="50" charset="-128"/>
+                </a:rPr>
+                <a:t>TTDataGrid_PreviewMouseDown</a:t>
+              </a:r>
+              <a:endParaRPr kumimoji="1" lang="en-US" altLang="ja-JP" sz="1100" dirty="0">
+                <a:latin typeface="Meiryo UI" panose="020B0604030504040204" pitchFamily="50" charset="-128"/>
+                <a:ea typeface="Meiryo UI" panose="020B0604030504040204" pitchFamily="50" charset="-128"/>
+              </a:endParaRPr>
+            </a:p>
+          </p:txBody>
+        </p:sp>
+        <p:sp>
+          <p:nvSpPr>
+            <p:cNvPr id="52" name="ひし形 51">
+              <a:extLst>
+                <a:ext uri="{FF2B5EF4-FFF2-40B4-BE49-F238E27FC236}">
+                  <a16:creationId xmlns:a16="http://schemas.microsoft.com/office/drawing/2014/main" id="{03179C66-3632-BA39-F6AF-4E8D8B96AED6}"/>
+                </a:ext>
+              </a:extLst>
+            </p:cNvPr>
+            <p:cNvSpPr/>
+            <p:nvPr/>
+          </p:nvSpPr>
+          <p:spPr>
+            <a:xfrm>
+              <a:off x="565813" y="3503679"/>
+              <a:ext cx="150313" cy="162838"/>
+            </a:xfrm>
+            <a:prstGeom prst="diamond">
+              <a:avLst/>
+            </a:prstGeom>
+          </p:spPr>
+          <p:style>
+            <a:lnRef idx="2">
+              <a:schemeClr val="dk1"/>
+            </a:lnRef>
+            <a:fillRef idx="1">
+              <a:schemeClr val="lt1"/>
+            </a:fillRef>
+            <a:effectRef idx="0">
+              <a:schemeClr val="dk1"/>
+            </a:effectRef>
+            <a:fontRef idx="minor">
+              <a:schemeClr val="dk1"/>
+            </a:fontRef>
+          </p:style>
+          <p:txBody>
+            <a:bodyPr wrap="none" rtlCol="0" anchor="ctr"/>
+            <a:lstStyle/>
+            <a:p>
+              <a:endParaRPr kumimoji="1" lang="ja-JP" altLang="en-US" sz="1050" dirty="0">
+                <a:solidFill>
+                  <a:schemeClr val="tx1"/>
+                </a:solidFill>
+              </a:endParaRPr>
+            </a:p>
+          </p:txBody>
+        </p:sp>
+      </p:grpSp>
+      <p:grpSp>
+        <p:nvGrpSpPr>
+          <p:cNvPr id="53" name="グループ化 52">
+            <a:extLst>
+              <a:ext uri="{FF2B5EF4-FFF2-40B4-BE49-F238E27FC236}">
+                <a16:creationId xmlns:a16="http://schemas.microsoft.com/office/drawing/2014/main" id="{5E23270D-915D-0522-07C1-C1D17358C7BF}"/>
+              </a:ext>
+            </a:extLst>
+          </p:cNvPr>
+          <p:cNvGrpSpPr/>
+          <p:nvPr/>
+        </p:nvGrpSpPr>
+        <p:grpSpPr>
+          <a:xfrm>
+            <a:off x="1818662" y="4798186"/>
+            <a:ext cx="3675005" cy="938719"/>
+            <a:chOff x="565813" y="3439484"/>
+            <a:chExt cx="3675005" cy="938719"/>
+          </a:xfrm>
+        </p:grpSpPr>
+        <p:sp>
+          <p:nvSpPr>
+            <p:cNvPr id="54" name="テキスト ボックス 53">
+              <a:extLst>
+                <a:ext uri="{FF2B5EF4-FFF2-40B4-BE49-F238E27FC236}">
+                  <a16:creationId xmlns:a16="http://schemas.microsoft.com/office/drawing/2014/main" id="{12085764-D923-DBFF-7CE7-6AD53430FFFF}"/>
+                </a:ext>
+              </a:extLst>
+            </p:cNvPr>
+            <p:cNvSpPr txBox="1"/>
+            <p:nvPr/>
+          </p:nvSpPr>
+          <p:spPr>
+            <a:xfrm>
+              <a:off x="698364" y="3439484"/>
+              <a:ext cx="3542454" cy="938719"/>
+            </a:xfrm>
+            <a:prstGeom prst="rect">
+              <a:avLst/>
+            </a:prstGeom>
+            <a:noFill/>
+          </p:spPr>
+          <p:txBody>
+            <a:bodyPr wrap="square" rtlCol="0">
+              <a:spAutoFit/>
+            </a:bodyPr>
+            <a:lstStyle/>
+            <a:p>
+              <a:r>
+                <a:rPr kumimoji="1" lang="en-US" altLang="ja-JP" sz="1100" dirty="0" err="1">
+                  <a:latin typeface="Meiryo UI" panose="020B0604030504040204" pitchFamily="50" charset="-128"/>
+                  <a:ea typeface="Meiryo UI" panose="020B0604030504040204" pitchFamily="50" charset="-128"/>
+                </a:rPr>
+                <a:t>ttcmd_editor_tag_invoke</a:t>
               </a:r>
               <a:endParaRPr kumimoji="1" lang="en-US" altLang="ja-JP" sz="1100" dirty="0">
                 <a:latin typeface="Meiryo UI" panose="020B0604030504040204" pitchFamily="50" charset="-128"/>
@@ -7776,14 +8090,92 @@
                   <a:latin typeface="Meiryo UI" panose="020B0604030504040204" pitchFamily="50" charset="-128"/>
                   <a:ea typeface="Meiryo UI" panose="020B0604030504040204" pitchFamily="50" charset="-128"/>
                 </a:rPr>
-                <a:t>tools.editor._</a:t>
+                <a:t>[</a:t>
               </a:r>
               <a:r>
                 <a:rPr kumimoji="1" lang="en-US" altLang="ja-JP" sz="1100" dirty="0" err="1">
                   <a:latin typeface="Meiryo UI" panose="020B0604030504040204" pitchFamily="50" charset="-128"/>
                   <a:ea typeface="Meiryo UI" panose="020B0604030504040204" pitchFamily="50" charset="-128"/>
                 </a:rPr>
-                <a:t>paste_xxx</a:t>
+                <a:t>TTTagAction</a:t>
+              </a:r>
+              <a:r>
+                <a:rPr kumimoji="1" lang="en-US" altLang="ja-JP" sz="1100" dirty="0">
+                  <a:latin typeface="Meiryo UI" panose="020B0604030504040204" pitchFamily="50" charset="-128"/>
+                  <a:ea typeface="Meiryo UI" panose="020B0604030504040204" pitchFamily="50" charset="-128"/>
+                </a:rPr>
+                <a:t>]::invoke(</a:t>
+              </a:r>
+              <a:r>
+                <a:rPr kumimoji="1" lang="en-US" altLang="ja-JP" sz="1100" dirty="0" err="1">
+                  <a:latin typeface="Meiryo UI" panose="020B0604030504040204" pitchFamily="50" charset="-128"/>
+                  <a:ea typeface="Meiryo UI" panose="020B0604030504040204" pitchFamily="50" charset="-128"/>
+                </a:rPr>
+                <a:t>curpos</a:t>
+              </a:r>
+              <a:r>
+                <a:rPr kumimoji="1" lang="en-US" altLang="ja-JP" sz="1100" dirty="0">
+                  <a:latin typeface="Meiryo UI" panose="020B0604030504040204" pitchFamily="50" charset="-128"/>
+                  <a:ea typeface="Meiryo UI" panose="020B0604030504040204" pitchFamily="50" charset="-128"/>
+                </a:rPr>
+                <a:t>)</a:t>
+              </a:r>
+            </a:p>
+            <a:p>
+              <a:r>
+                <a:rPr kumimoji="1" lang="ja-JP" altLang="en-US" sz="1100" dirty="0">
+                  <a:latin typeface="Meiryo UI" panose="020B0604030504040204" pitchFamily="50" charset="-128"/>
+                  <a:ea typeface="Meiryo UI" panose="020B0604030504040204" pitchFamily="50" charset="-128"/>
+                </a:rPr>
+                <a:t>↓</a:t>
+              </a:r>
+              <a:endParaRPr kumimoji="1" lang="en-US" altLang="ja-JP" sz="1100" dirty="0">
+                <a:latin typeface="Meiryo UI" panose="020B0604030504040204" pitchFamily="50" charset="-128"/>
+                <a:ea typeface="Meiryo UI" panose="020B0604030504040204" pitchFamily="50" charset="-128"/>
+              </a:endParaRPr>
+            </a:p>
+            <a:p>
+              <a:r>
+                <a:rPr kumimoji="1" lang="en-US" altLang="ja-JP" sz="1100" dirty="0">
+                  <a:latin typeface="Meiryo UI" panose="020B0604030504040204" pitchFamily="50" charset="-128"/>
+                  <a:ea typeface="Meiryo UI" panose="020B0604030504040204" pitchFamily="50" charset="-128"/>
+                </a:rPr>
+                <a:t>[</a:t>
+              </a:r>
+              <a:r>
+                <a:rPr kumimoji="1" lang="en-US" altLang="ja-JP" sz="1100" dirty="0" err="1">
+                  <a:latin typeface="Meiryo UI" panose="020B0604030504040204" pitchFamily="50" charset="-128"/>
+                  <a:ea typeface="Meiryo UI" panose="020B0604030504040204" pitchFamily="50" charset="-128"/>
+                </a:rPr>
+                <a:t>TTTagAction</a:t>
+              </a:r>
+              <a:r>
+                <a:rPr kumimoji="1" lang="en-US" altLang="ja-JP" sz="1100" dirty="0">
+                  <a:latin typeface="Meiryo UI" panose="020B0604030504040204" pitchFamily="50" charset="-128"/>
+                  <a:ea typeface="Meiryo UI" panose="020B0604030504040204" pitchFamily="50" charset="-128"/>
+                </a:rPr>
+                <a:t>]::</a:t>
+              </a:r>
+              <a:r>
+                <a:rPr kumimoji="1" lang="en-US" altLang="ja-JP" sz="1100" dirty="0" err="1">
+                  <a:latin typeface="Meiryo UI" panose="020B0604030504040204" pitchFamily="50" charset="-128"/>
+                  <a:ea typeface="Meiryo UI" panose="020B0604030504040204" pitchFamily="50" charset="-128"/>
+                </a:rPr>
+                <a:t>thinktank_tag</a:t>
+              </a:r>
+              <a:r>
+                <a:rPr kumimoji="1" lang="en-US" altLang="ja-JP" sz="1100" dirty="0">
+                  <a:latin typeface="Meiryo UI" panose="020B0604030504040204" pitchFamily="50" charset="-128"/>
+                  <a:ea typeface="Meiryo UI" panose="020B0604030504040204" pitchFamily="50" charset="-128"/>
+                </a:rPr>
+                <a:t>/</a:t>
+              </a:r>
+              <a:r>
+                <a:rPr kumimoji="1" lang="en-US" altLang="ja-JP" sz="1100" dirty="0" err="1">
+                  <a:latin typeface="Meiryo UI" panose="020B0604030504040204" pitchFamily="50" charset="-128"/>
+                  <a:ea typeface="Meiryo UI" panose="020B0604030504040204" pitchFamily="50" charset="-128"/>
+                </a:rPr>
+                <a:t>tttag_memo</a:t>
               </a:r>
               <a:endParaRPr kumimoji="1" lang="en-US" altLang="ja-JP" sz="1100" dirty="0">
                 <a:latin typeface="Meiryo UI" panose="020B0604030504040204" pitchFamily="50" charset="-128"/>
@@ -7794,10 +8186,623 @@
         </p:sp>
         <p:sp>
           <p:nvSpPr>
-            <p:cNvPr id="58" name="ひし形 57">
+            <p:cNvPr id="55" name="ひし形 54">
               <a:extLst>
                 <a:ext uri="{FF2B5EF4-FFF2-40B4-BE49-F238E27FC236}">
-                  <a16:creationId xmlns:a16="http://schemas.microsoft.com/office/drawing/2014/main" id="{CFF65E55-29AA-D1C9-961B-B311108ECC1F}"/>
+                  <a16:creationId xmlns:a16="http://schemas.microsoft.com/office/drawing/2014/main" id="{86726266-F035-8EB2-D329-22EE7CB12C0C}"/>
+                </a:ext>
+              </a:extLst>
+            </p:cNvPr>
+            <p:cNvSpPr/>
+            <p:nvPr/>
+          </p:nvSpPr>
+          <p:spPr>
+            <a:xfrm>
+              <a:off x="565813" y="3503679"/>
+              <a:ext cx="150313" cy="162838"/>
+            </a:xfrm>
+            <a:prstGeom prst="diamond">
+              <a:avLst/>
+            </a:prstGeom>
+          </p:spPr>
+          <p:style>
+            <a:lnRef idx="2">
+              <a:schemeClr val="dk1"/>
+            </a:lnRef>
+            <a:fillRef idx="1">
+              <a:schemeClr val="lt1"/>
+            </a:fillRef>
+            <a:effectRef idx="0">
+              <a:schemeClr val="dk1"/>
+            </a:effectRef>
+            <a:fontRef idx="minor">
+              <a:schemeClr val="dk1"/>
+            </a:fontRef>
+          </p:style>
+          <p:txBody>
+            <a:bodyPr wrap="none" rtlCol="0" anchor="ctr"/>
+            <a:lstStyle/>
+            <a:p>
+              <a:endParaRPr kumimoji="1" lang="ja-JP" altLang="en-US" sz="1050" dirty="0">
+                <a:solidFill>
+                  <a:schemeClr val="tx1"/>
+                </a:solidFill>
+              </a:endParaRPr>
+            </a:p>
+          </p:txBody>
+        </p:sp>
+      </p:grpSp>
+      <p:grpSp>
+        <p:nvGrpSpPr>
+          <p:cNvPr id="59" name="グループ化 58">
+            <a:extLst>
+              <a:ext uri="{FF2B5EF4-FFF2-40B4-BE49-F238E27FC236}">
+                <a16:creationId xmlns:a16="http://schemas.microsoft.com/office/drawing/2014/main" id="{32B83C12-F676-F9A0-B73F-334CCF4FC9AE}"/>
+              </a:ext>
+            </a:extLst>
+          </p:cNvPr>
+          <p:cNvGrpSpPr/>
+          <p:nvPr/>
+        </p:nvGrpSpPr>
+        <p:grpSpPr>
+          <a:xfrm>
+            <a:off x="3343954" y="2815186"/>
+            <a:ext cx="3622389" cy="600164"/>
+            <a:chOff x="561575" y="3454732"/>
+            <a:chExt cx="3622389" cy="600164"/>
+          </a:xfrm>
+        </p:grpSpPr>
+        <p:sp>
+          <p:nvSpPr>
+            <p:cNvPr id="60" name="テキスト ボックス 59">
+              <a:extLst>
+                <a:ext uri="{FF2B5EF4-FFF2-40B4-BE49-F238E27FC236}">
+                  <a16:creationId xmlns:a16="http://schemas.microsoft.com/office/drawing/2014/main" id="{15F20D58-0A89-23D6-D752-7741F61DB4A2}"/>
+                </a:ext>
+              </a:extLst>
+            </p:cNvPr>
+            <p:cNvSpPr txBox="1"/>
+            <p:nvPr/>
+          </p:nvSpPr>
+          <p:spPr>
+            <a:xfrm>
+              <a:off x="705947" y="3454732"/>
+              <a:ext cx="3478017" cy="600164"/>
+            </a:xfrm>
+            <a:prstGeom prst="rect">
+              <a:avLst/>
+            </a:prstGeom>
+            <a:noFill/>
+          </p:spPr>
+          <p:txBody>
+            <a:bodyPr wrap="square" rtlCol="0">
+              <a:spAutoFit/>
+            </a:bodyPr>
+            <a:lstStyle/>
+            <a:p>
+              <a:r>
+                <a:rPr kumimoji="1" lang="en-US" altLang="ja-JP" sz="1100" dirty="0" err="1">
+                  <a:latin typeface="Meiryo UI" panose="020B0604030504040204" pitchFamily="50" charset="-128"/>
+                  <a:ea typeface="Meiryo UI" panose="020B0604030504040204" pitchFamily="50" charset="-128"/>
+                </a:rPr>
+                <a:t>group.event_select_datagrid_item_by_mouse</a:t>
+              </a:r>
+              <a:endParaRPr kumimoji="1" lang="en-US" altLang="ja-JP" sz="1100" dirty="0">
+                <a:latin typeface="Meiryo UI" panose="020B0604030504040204" pitchFamily="50" charset="-128"/>
+                <a:ea typeface="Meiryo UI" panose="020B0604030504040204" pitchFamily="50" charset="-128"/>
+              </a:endParaRPr>
+            </a:p>
+            <a:p>
+              <a:r>
+                <a:rPr kumimoji="1" lang="ja-JP" altLang="en-US" sz="1100" dirty="0">
+                  <a:latin typeface="Meiryo UI" panose="020B0604030504040204" pitchFamily="50" charset="-128"/>
+                  <a:ea typeface="Meiryo UI" panose="020B0604030504040204" pitchFamily="50" charset="-128"/>
+                </a:rPr>
+                <a:t>↓</a:t>
+              </a:r>
+              <a:endParaRPr kumimoji="1" lang="en-US" altLang="ja-JP" sz="1100" dirty="0">
+                <a:latin typeface="Meiryo UI" panose="020B0604030504040204" pitchFamily="50" charset="-128"/>
+                <a:ea typeface="Meiryo UI" panose="020B0604030504040204" pitchFamily="50" charset="-128"/>
+              </a:endParaRPr>
+            </a:p>
+            <a:p>
+              <a:r>
+                <a:rPr kumimoji="1" lang="en-US" altLang="ja-JP" sz="1100" dirty="0" err="1">
+                  <a:latin typeface="Meiryo UI" panose="020B0604030504040204" pitchFamily="50" charset="-128"/>
+                  <a:ea typeface="Meiryo UI" panose="020B0604030504040204" pitchFamily="50" charset="-128"/>
+                </a:rPr>
+                <a:t>group.invoke_action</a:t>
+              </a:r>
+              <a:endParaRPr kumimoji="1" lang="en-US" altLang="ja-JP" sz="1100" dirty="0">
+                <a:latin typeface="Meiryo UI" panose="020B0604030504040204" pitchFamily="50" charset="-128"/>
+                <a:ea typeface="Meiryo UI" panose="020B0604030504040204" pitchFamily="50" charset="-128"/>
+              </a:endParaRPr>
+            </a:p>
+          </p:txBody>
+        </p:sp>
+        <p:sp>
+          <p:nvSpPr>
+            <p:cNvPr id="61" name="ひし形 60">
+              <a:extLst>
+                <a:ext uri="{FF2B5EF4-FFF2-40B4-BE49-F238E27FC236}">
+                  <a16:creationId xmlns:a16="http://schemas.microsoft.com/office/drawing/2014/main" id="{37DDA1A4-B2B2-0EC5-F86A-15D6D235C162}"/>
+                </a:ext>
+              </a:extLst>
+            </p:cNvPr>
+            <p:cNvSpPr/>
+            <p:nvPr/>
+          </p:nvSpPr>
+          <p:spPr>
+            <a:xfrm>
+              <a:off x="561575" y="3514542"/>
+              <a:ext cx="150313" cy="162838"/>
+            </a:xfrm>
+            <a:prstGeom prst="diamond">
+              <a:avLst/>
+            </a:prstGeom>
+          </p:spPr>
+          <p:style>
+            <a:lnRef idx="2">
+              <a:schemeClr val="accent2">
+                <a:shade val="50000"/>
+              </a:schemeClr>
+            </a:lnRef>
+            <a:fillRef idx="1">
+              <a:schemeClr val="accent2"/>
+            </a:fillRef>
+            <a:effectRef idx="0">
+              <a:schemeClr val="accent2"/>
+            </a:effectRef>
+            <a:fontRef idx="minor">
+              <a:schemeClr val="lt1"/>
+            </a:fontRef>
+          </p:style>
+          <p:txBody>
+            <a:bodyPr wrap="none" rtlCol="0" anchor="ctr"/>
+            <a:lstStyle/>
+            <a:p>
+              <a:endParaRPr kumimoji="1" lang="ja-JP" altLang="en-US" sz="1050" dirty="0">
+                <a:solidFill>
+                  <a:schemeClr val="tx1"/>
+                </a:solidFill>
+              </a:endParaRPr>
+            </a:p>
+          </p:txBody>
+        </p:sp>
+      </p:grpSp>
+      <p:cxnSp>
+        <p:nvCxnSpPr>
+          <p:cNvPr id="62" name="直線矢印コネクタ 54">
+            <a:extLst>
+              <a:ext uri="{FF2B5EF4-FFF2-40B4-BE49-F238E27FC236}">
+                <a16:creationId xmlns:a16="http://schemas.microsoft.com/office/drawing/2014/main" id="{5CBA5381-1090-A515-4ADA-AFF32439658B}"/>
+              </a:ext>
+            </a:extLst>
+          </p:cNvPr>
+          <p:cNvCxnSpPr>
+            <a:cxnSpLocks/>
+            <a:stCxn id="61" idx="1"/>
+            <a:endCxn id="52" idx="2"/>
+          </p:cNvCxnSpPr>
+          <p:nvPr/>
+        </p:nvCxnSpPr>
+        <p:spPr>
+          <a:xfrm rot="10800000">
+            <a:off x="1898250" y="2762007"/>
+            <a:ext cx="1445705" cy="194408"/>
+          </a:xfrm>
+          <a:prstGeom prst="bentConnector2">
+            <a:avLst/>
+          </a:prstGeom>
+          <a:ln>
+            <a:solidFill>
+              <a:schemeClr val="tx1"/>
+            </a:solidFill>
+            <a:prstDash val="sysDash"/>
+            <a:headEnd type="triangle" w="med" len="med"/>
+            <a:tailEnd type="none" w="med" len="med"/>
+          </a:ln>
+        </p:spPr>
+        <p:style>
+          <a:lnRef idx="3">
+            <a:schemeClr val="accent1"/>
+          </a:lnRef>
+          <a:fillRef idx="0">
+            <a:schemeClr val="accent1"/>
+          </a:fillRef>
+          <a:effectRef idx="2">
+            <a:schemeClr val="accent1"/>
+          </a:effectRef>
+          <a:fontRef idx="minor">
+            <a:schemeClr val="tx1"/>
+          </a:fontRef>
+        </p:style>
+      </p:cxnSp>
+      <p:grpSp>
+        <p:nvGrpSpPr>
+          <p:cNvPr id="63" name="グループ化 62">
+            <a:extLst>
+              <a:ext uri="{FF2B5EF4-FFF2-40B4-BE49-F238E27FC236}">
+                <a16:creationId xmlns:a16="http://schemas.microsoft.com/office/drawing/2014/main" id="{21C71A09-1F22-25DA-AEFB-B77C66A1D178}"/>
+              </a:ext>
+            </a:extLst>
+          </p:cNvPr>
+          <p:cNvGrpSpPr/>
+          <p:nvPr/>
+        </p:nvGrpSpPr>
+        <p:grpSpPr>
+          <a:xfrm>
+            <a:off x="7028553" y="3340232"/>
+            <a:ext cx="1999957" cy="600164"/>
+            <a:chOff x="580806" y="3454293"/>
+            <a:chExt cx="1999957" cy="600164"/>
+          </a:xfrm>
+        </p:grpSpPr>
+        <p:sp>
+          <p:nvSpPr>
+            <p:cNvPr id="64" name="テキスト ボックス 63">
+              <a:extLst>
+                <a:ext uri="{FF2B5EF4-FFF2-40B4-BE49-F238E27FC236}">
+                  <a16:creationId xmlns:a16="http://schemas.microsoft.com/office/drawing/2014/main" id="{20C21CCC-B4CD-9BB5-8F7B-EAB64232F9ED}"/>
+                </a:ext>
+              </a:extLst>
+            </p:cNvPr>
+            <p:cNvSpPr txBox="1"/>
+            <p:nvPr/>
+          </p:nvSpPr>
+          <p:spPr>
+            <a:xfrm>
+              <a:off x="731119" y="3454293"/>
+              <a:ext cx="1849644" cy="600164"/>
+            </a:xfrm>
+            <a:prstGeom prst="rect">
+              <a:avLst/>
+            </a:prstGeom>
+            <a:noFill/>
+          </p:spPr>
+          <p:txBody>
+            <a:bodyPr wrap="square" rtlCol="0">
+              <a:spAutoFit/>
+            </a:bodyPr>
+            <a:lstStyle/>
+            <a:p>
+              <a:r>
+                <a:rPr kumimoji="1" lang="en-US" altLang="ja-JP" sz="1100" dirty="0" err="1">
+                  <a:latin typeface="Meiryo UI" panose="020B0604030504040204" pitchFamily="50" charset="-128"/>
+                  <a:ea typeface="Meiryo UI" panose="020B0604030504040204" pitchFamily="50" charset="-128"/>
+                </a:rPr>
+                <a:t>Memo.InvokeAction</a:t>
+              </a:r>
+              <a:endParaRPr kumimoji="1" lang="en-US" altLang="ja-JP" sz="1100" dirty="0">
+                <a:latin typeface="Meiryo UI" panose="020B0604030504040204" pitchFamily="50" charset="-128"/>
+                <a:ea typeface="Meiryo UI" panose="020B0604030504040204" pitchFamily="50" charset="-128"/>
+              </a:endParaRPr>
+            </a:p>
+            <a:p>
+              <a:r>
+                <a:rPr kumimoji="1" lang="ja-JP" altLang="en-US" sz="1100" dirty="0">
+                  <a:latin typeface="Meiryo UI" panose="020B0604030504040204" pitchFamily="50" charset="-128"/>
+                  <a:ea typeface="Meiryo UI" panose="020B0604030504040204" pitchFamily="50" charset="-128"/>
+                </a:rPr>
+                <a:t>↓</a:t>
+              </a:r>
+              <a:endParaRPr kumimoji="1" lang="en-US" altLang="ja-JP" sz="1100" dirty="0">
+                <a:latin typeface="Meiryo UI" panose="020B0604030504040204" pitchFamily="50" charset="-128"/>
+                <a:ea typeface="Meiryo UI" panose="020B0604030504040204" pitchFamily="50" charset="-128"/>
+              </a:endParaRPr>
+            </a:p>
+            <a:p>
+              <a:r>
+                <a:rPr kumimoji="1" lang="en-US" altLang="ja-JP" sz="1100" dirty="0">
+                  <a:latin typeface="Meiryo UI" panose="020B0604030504040204" pitchFamily="50" charset="-128"/>
+                  <a:ea typeface="Meiryo UI" panose="020B0604030504040204" pitchFamily="50" charset="-128"/>
+                </a:rPr>
+                <a:t>[</a:t>
+              </a:r>
+              <a:r>
+                <a:rPr kumimoji="1" lang="en-US" altLang="ja-JP" sz="1100" dirty="0" err="1">
+                  <a:latin typeface="Meiryo UI" panose="020B0604030504040204" pitchFamily="50" charset="-128"/>
+                  <a:ea typeface="Meiryo UI" panose="020B0604030504040204" pitchFamily="50" charset="-128"/>
+                </a:rPr>
+                <a:t>TTMemo</a:t>
+              </a:r>
+              <a:r>
+                <a:rPr kumimoji="1" lang="en-US" altLang="ja-JP" sz="1100" dirty="0">
+                  <a:latin typeface="Meiryo UI" panose="020B0604030504040204" pitchFamily="50" charset="-128"/>
+                  <a:ea typeface="Meiryo UI" panose="020B0604030504040204" pitchFamily="50" charset="-128"/>
+                </a:rPr>
+                <a:t>]::</a:t>
+              </a:r>
+              <a:r>
+                <a:rPr kumimoji="1" lang="en-US" altLang="ja-JP" sz="1100" dirty="0" err="1">
+                  <a:latin typeface="Meiryo UI" panose="020B0604030504040204" pitchFamily="50" charset="-128"/>
+                  <a:ea typeface="Meiryo UI" panose="020B0604030504040204" pitchFamily="50" charset="-128"/>
+                </a:rPr>
+                <a:t>ActionOpen</a:t>
+              </a:r>
+              <a:endParaRPr kumimoji="1" lang="en-US" altLang="ja-JP" sz="1100" dirty="0">
+                <a:latin typeface="Meiryo UI" panose="020B0604030504040204" pitchFamily="50" charset="-128"/>
+                <a:ea typeface="Meiryo UI" panose="020B0604030504040204" pitchFamily="50" charset="-128"/>
+              </a:endParaRPr>
+            </a:p>
+          </p:txBody>
+        </p:sp>
+        <p:sp>
+          <p:nvSpPr>
+            <p:cNvPr id="65" name="ひし形 64">
+              <a:extLst>
+                <a:ext uri="{FF2B5EF4-FFF2-40B4-BE49-F238E27FC236}">
+                  <a16:creationId xmlns:a16="http://schemas.microsoft.com/office/drawing/2014/main" id="{2D6C334C-E359-F1BB-142F-8D5A6174D74C}"/>
+                </a:ext>
+              </a:extLst>
+            </p:cNvPr>
+            <p:cNvSpPr/>
+            <p:nvPr/>
+          </p:nvSpPr>
+          <p:spPr>
+            <a:xfrm>
+              <a:off x="580806" y="3503679"/>
+              <a:ext cx="150313" cy="162838"/>
+            </a:xfrm>
+            <a:prstGeom prst="diamond">
+              <a:avLst/>
+            </a:prstGeom>
+          </p:spPr>
+          <p:style>
+            <a:lnRef idx="2">
+              <a:schemeClr val="accent6">
+                <a:shade val="50000"/>
+              </a:schemeClr>
+            </a:lnRef>
+            <a:fillRef idx="1">
+              <a:schemeClr val="accent6"/>
+            </a:fillRef>
+            <a:effectRef idx="0">
+              <a:schemeClr val="accent6"/>
+            </a:effectRef>
+            <a:fontRef idx="minor">
+              <a:schemeClr val="lt1"/>
+            </a:fontRef>
+          </p:style>
+          <p:txBody>
+            <a:bodyPr wrap="none" rtlCol="0" anchor="ctr"/>
+            <a:lstStyle/>
+            <a:p>
+              <a:endParaRPr kumimoji="1" lang="ja-JP" altLang="en-US" sz="1050" dirty="0">
+                <a:solidFill>
+                  <a:schemeClr val="tx1"/>
+                </a:solidFill>
+              </a:endParaRPr>
+            </a:p>
+          </p:txBody>
+        </p:sp>
+      </p:grpSp>
+      <p:cxnSp>
+        <p:nvCxnSpPr>
+          <p:cNvPr id="66" name="直線矢印コネクタ 54">
+            <a:extLst>
+              <a:ext uri="{FF2B5EF4-FFF2-40B4-BE49-F238E27FC236}">
+                <a16:creationId xmlns:a16="http://schemas.microsoft.com/office/drawing/2014/main" id="{D959A7DE-3F18-D1B4-6C5A-18614F70F8BB}"/>
+              </a:ext>
+            </a:extLst>
+          </p:cNvPr>
+          <p:cNvCxnSpPr>
+            <a:cxnSpLocks/>
+            <a:stCxn id="65" idx="1"/>
+            <a:endCxn id="61" idx="2"/>
+          </p:cNvCxnSpPr>
+          <p:nvPr/>
+        </p:nvCxnSpPr>
+        <p:spPr>
+          <a:xfrm rot="10800000">
+            <a:off x="3419111" y="3037835"/>
+            <a:ext cx="3609442" cy="433203"/>
+          </a:xfrm>
+          <a:prstGeom prst="bentConnector2">
+            <a:avLst/>
+          </a:prstGeom>
+          <a:ln>
+            <a:solidFill>
+              <a:schemeClr val="accent2"/>
+            </a:solidFill>
+            <a:prstDash val="sysDash"/>
+            <a:headEnd type="triangle" w="med" len="med"/>
+            <a:tailEnd type="none" w="med" len="med"/>
+          </a:ln>
+        </p:spPr>
+        <p:style>
+          <a:lnRef idx="3">
+            <a:schemeClr val="accent1"/>
+          </a:lnRef>
+          <a:fillRef idx="0">
+            <a:schemeClr val="accent1"/>
+          </a:fillRef>
+          <a:effectRef idx="2">
+            <a:schemeClr val="accent1"/>
+          </a:effectRef>
+          <a:fontRef idx="minor">
+            <a:schemeClr val="tx1"/>
+          </a:fontRef>
+        </p:style>
+      </p:cxnSp>
+      <p:grpSp>
+        <p:nvGrpSpPr>
+          <p:cNvPr id="67" name="グループ化 66">
+            <a:extLst>
+              <a:ext uri="{FF2B5EF4-FFF2-40B4-BE49-F238E27FC236}">
+                <a16:creationId xmlns:a16="http://schemas.microsoft.com/office/drawing/2014/main" id="{132885CD-C9B4-93CE-1C3F-344931757CCC}"/>
+              </a:ext>
+            </a:extLst>
+          </p:cNvPr>
+          <p:cNvGrpSpPr/>
+          <p:nvPr/>
+        </p:nvGrpSpPr>
+        <p:grpSpPr>
+          <a:xfrm>
+            <a:off x="5425534" y="3678071"/>
+            <a:ext cx="1940491" cy="360554"/>
+            <a:chOff x="580805" y="3503678"/>
+            <a:chExt cx="2165383" cy="360554"/>
+          </a:xfrm>
+        </p:grpSpPr>
+        <p:sp>
+          <p:nvSpPr>
+            <p:cNvPr id="68" name="テキスト ボックス 67">
+              <a:extLst>
+                <a:ext uri="{FF2B5EF4-FFF2-40B4-BE49-F238E27FC236}">
+                  <a16:creationId xmlns:a16="http://schemas.microsoft.com/office/drawing/2014/main" id="{9CD73C03-2DA6-BBB7-3A06-CEF1E4C0226D}"/>
+                </a:ext>
+              </a:extLst>
+            </p:cNvPr>
+            <p:cNvSpPr txBox="1"/>
+            <p:nvPr/>
+          </p:nvSpPr>
+          <p:spPr>
+            <a:xfrm>
+              <a:off x="670389" y="3602622"/>
+              <a:ext cx="2075799" cy="261610"/>
+            </a:xfrm>
+            <a:prstGeom prst="rect">
+              <a:avLst/>
+            </a:prstGeom>
+            <a:noFill/>
+          </p:spPr>
+          <p:txBody>
+            <a:bodyPr wrap="square" rtlCol="0">
+              <a:spAutoFit/>
+            </a:bodyPr>
+            <a:lstStyle/>
+            <a:p>
+              <a:r>
+                <a:rPr kumimoji="1" lang="en-US" altLang="ja-JP" sz="1100" dirty="0" err="1">
+                  <a:latin typeface="Meiryo UI" panose="020B0604030504040204" pitchFamily="50" charset="-128"/>
+                  <a:ea typeface="Meiryo UI" panose="020B0604030504040204" pitchFamily="50" charset="-128"/>
+                </a:rPr>
+                <a:t>ttact_open_memo</a:t>
+              </a:r>
+              <a:endParaRPr kumimoji="1" lang="en-US" altLang="ja-JP" sz="1100" dirty="0">
+                <a:latin typeface="Meiryo UI" panose="020B0604030504040204" pitchFamily="50" charset="-128"/>
+                <a:ea typeface="Meiryo UI" panose="020B0604030504040204" pitchFamily="50" charset="-128"/>
+              </a:endParaRPr>
+            </a:p>
+          </p:txBody>
+        </p:sp>
+        <p:sp>
+          <p:nvSpPr>
+            <p:cNvPr id="69" name="ひし形 68">
+              <a:extLst>
+                <a:ext uri="{FF2B5EF4-FFF2-40B4-BE49-F238E27FC236}">
+                  <a16:creationId xmlns:a16="http://schemas.microsoft.com/office/drawing/2014/main" id="{BE4EE814-38C4-6EE2-BEE6-0BA9D96726A0}"/>
+                </a:ext>
+              </a:extLst>
+            </p:cNvPr>
+            <p:cNvSpPr/>
+            <p:nvPr/>
+          </p:nvSpPr>
+          <p:spPr>
+            <a:xfrm>
+              <a:off x="580805" y="3503678"/>
+              <a:ext cx="176399" cy="174061"/>
+            </a:xfrm>
+            <a:prstGeom prst="diamond">
+              <a:avLst/>
+            </a:prstGeom>
+          </p:spPr>
+          <p:style>
+            <a:lnRef idx="2">
+              <a:schemeClr val="dk1"/>
+            </a:lnRef>
+            <a:fillRef idx="1">
+              <a:schemeClr val="lt1"/>
+            </a:fillRef>
+            <a:effectRef idx="0">
+              <a:schemeClr val="dk1"/>
+            </a:effectRef>
+            <a:fontRef idx="minor">
+              <a:schemeClr val="dk1"/>
+            </a:fontRef>
+          </p:style>
+          <p:txBody>
+            <a:bodyPr wrap="none" rtlCol="0" anchor="ctr"/>
+            <a:lstStyle/>
+            <a:p>
+              <a:endParaRPr kumimoji="1" lang="ja-JP" altLang="en-US" sz="1050" dirty="0">
+                <a:solidFill>
+                  <a:schemeClr val="tx1"/>
+                </a:solidFill>
+              </a:endParaRPr>
+            </a:p>
+          </p:txBody>
+        </p:sp>
+      </p:grpSp>
+      <p:grpSp>
+        <p:nvGrpSpPr>
+          <p:cNvPr id="71" name="グループ化 70">
+            <a:extLst>
+              <a:ext uri="{FF2B5EF4-FFF2-40B4-BE49-F238E27FC236}">
+                <a16:creationId xmlns:a16="http://schemas.microsoft.com/office/drawing/2014/main" id="{A82EE578-F8F5-F631-72C2-E4BC36EFAD62}"/>
+              </a:ext>
+            </a:extLst>
+          </p:cNvPr>
+          <p:cNvGrpSpPr/>
+          <p:nvPr/>
+        </p:nvGrpSpPr>
+        <p:grpSpPr>
+          <a:xfrm>
+            <a:off x="3354361" y="3759491"/>
+            <a:ext cx="2101049" cy="375419"/>
+            <a:chOff x="580806" y="3291098"/>
+            <a:chExt cx="1904567" cy="375419"/>
+          </a:xfrm>
+        </p:grpSpPr>
+        <p:sp>
+          <p:nvSpPr>
+            <p:cNvPr id="73" name="テキスト ボックス 72">
+              <a:extLst>
+                <a:ext uri="{FF2B5EF4-FFF2-40B4-BE49-F238E27FC236}">
+                  <a16:creationId xmlns:a16="http://schemas.microsoft.com/office/drawing/2014/main" id="{0678A2FA-5E24-67D7-4D54-73EE2B95EA2B}"/>
+                </a:ext>
+              </a:extLst>
+            </p:cNvPr>
+            <p:cNvSpPr txBox="1"/>
+            <p:nvPr/>
+          </p:nvSpPr>
+          <p:spPr>
+            <a:xfrm>
+              <a:off x="681382" y="3291098"/>
+              <a:ext cx="1803991" cy="261610"/>
+            </a:xfrm>
+            <a:prstGeom prst="rect">
+              <a:avLst/>
+            </a:prstGeom>
+            <a:noFill/>
+          </p:spPr>
+          <p:txBody>
+            <a:bodyPr wrap="square" rtlCol="0">
+              <a:spAutoFit/>
+            </a:bodyPr>
+            <a:lstStyle/>
+            <a:p>
+              <a:r>
+                <a:rPr kumimoji="1" lang="en-US" altLang="ja-JP" sz="1100" dirty="0" err="1">
+                  <a:latin typeface="Meiryo UI" panose="020B0604030504040204" pitchFamily="50" charset="-128"/>
+                  <a:ea typeface="Meiryo UI" panose="020B0604030504040204" pitchFamily="50" charset="-128"/>
+                </a:rPr>
+                <a:t>tools.editor.load</a:t>
+              </a:r>
+              <a:endParaRPr kumimoji="1" lang="en-US" altLang="ja-JP" sz="1100" dirty="0">
+                <a:latin typeface="Meiryo UI" panose="020B0604030504040204" pitchFamily="50" charset="-128"/>
+                <a:ea typeface="Meiryo UI" panose="020B0604030504040204" pitchFamily="50" charset="-128"/>
+              </a:endParaRPr>
+            </a:p>
+          </p:txBody>
+        </p:sp>
+        <p:sp>
+          <p:nvSpPr>
+            <p:cNvPr id="76" name="ひし形 75">
+              <a:extLst>
+                <a:ext uri="{FF2B5EF4-FFF2-40B4-BE49-F238E27FC236}">
+                  <a16:creationId xmlns:a16="http://schemas.microsoft.com/office/drawing/2014/main" id="{099FE8EA-3B17-2E5F-96B4-1A5AA220A57C}"/>
                 </a:ext>
               </a:extLst>
             </p:cNvPr>
@@ -7842,48 +8847,108 @@
           </p:txBody>
         </p:sp>
       </p:grpSp>
-      <p:sp>
-        <p:nvSpPr>
-          <p:cNvPr id="75" name="テキスト ボックス 74">
-            <a:extLst>
-              <a:ext uri="{FF2B5EF4-FFF2-40B4-BE49-F238E27FC236}">
-                <a16:creationId xmlns:a16="http://schemas.microsoft.com/office/drawing/2014/main" id="{4F8399F8-9AA1-04A3-7285-374A40D7FC08}"/>
-              </a:ext>
-            </a:extLst>
-          </p:cNvPr>
-          <p:cNvSpPr txBox="1"/>
-          <p:nvPr/>
-        </p:nvSpPr>
+      <p:cxnSp>
+        <p:nvCxnSpPr>
+          <p:cNvPr id="77" name="直線矢印コネクタ 54">
+            <a:extLst>
+              <a:ext uri="{FF2B5EF4-FFF2-40B4-BE49-F238E27FC236}">
+                <a16:creationId xmlns:a16="http://schemas.microsoft.com/office/drawing/2014/main" id="{28F42901-75F1-6330-CE4D-DD552DC117D7}"/>
+              </a:ext>
+            </a:extLst>
+          </p:cNvPr>
+          <p:cNvCxnSpPr>
+            <a:cxnSpLocks/>
+            <a:stCxn id="65" idx="2"/>
+            <a:endCxn id="69" idx="3"/>
+          </p:cNvCxnSpPr>
+          <p:nvPr/>
+        </p:nvCxnSpPr>
         <p:spPr>
-          <a:xfrm>
-            <a:off x="22282" y="33813"/>
-            <a:ext cx="1102802" cy="369332"/>
-          </a:xfrm>
-          <a:prstGeom prst="rect">
+          <a:xfrm rot="5400000">
+            <a:off x="6237339" y="2898731"/>
+            <a:ext cx="212646" cy="1520097"/>
+          </a:xfrm>
+          <a:prstGeom prst="bentConnector2">
             <a:avLst/>
           </a:prstGeom>
-          <a:noFill/>
-        </p:spPr>
-        <p:txBody>
-          <a:bodyPr wrap="none" rtlCol="0">
-            <a:spAutoFit/>
-          </a:bodyPr>
-          <a:lstStyle/>
-          <a:p>
-            <a:r>
-              <a:rPr kumimoji="1" lang="en-US" altLang="ja-JP" u="sng" dirty="0" err="1"/>
-              <a:t>TagAction</a:t>
-            </a:r>
-            <a:endParaRPr kumimoji="1" lang="ja-JP" altLang="en-US" u="sng" dirty="0"/>
-          </a:p>
-        </p:txBody>
-      </p:sp>
+          <a:ln>
+            <a:solidFill>
+              <a:schemeClr val="accent6"/>
+            </a:solidFill>
+            <a:prstDash val="sysDash"/>
+            <a:headEnd type="none" w="med" len="med"/>
+            <a:tailEnd type="triangle" w="med" len="med"/>
+          </a:ln>
+        </p:spPr>
+        <p:style>
+          <a:lnRef idx="3">
+            <a:schemeClr val="accent1"/>
+          </a:lnRef>
+          <a:fillRef idx="0">
+            <a:schemeClr val="accent1"/>
+          </a:fillRef>
+          <a:effectRef idx="2">
+            <a:schemeClr val="accent1"/>
+          </a:effectRef>
+          <a:fontRef idx="minor">
+            <a:schemeClr val="tx1"/>
+          </a:fontRef>
+        </p:style>
+      </p:cxnSp>
+      <p:cxnSp>
+        <p:nvCxnSpPr>
+          <p:cNvPr id="78" name="直線矢印コネクタ 54">
+            <a:extLst>
+              <a:ext uri="{FF2B5EF4-FFF2-40B4-BE49-F238E27FC236}">
+                <a16:creationId xmlns:a16="http://schemas.microsoft.com/office/drawing/2014/main" id="{3F5F8E64-8423-3F75-266B-88EE9910C1B4}"/>
+              </a:ext>
+            </a:extLst>
+          </p:cNvPr>
+          <p:cNvCxnSpPr>
+            <a:cxnSpLocks/>
+            <a:stCxn id="76" idx="3"/>
+            <a:endCxn id="69" idx="2"/>
+          </p:cNvCxnSpPr>
+          <p:nvPr/>
+        </p:nvCxnSpPr>
+        <p:spPr>
+          <a:xfrm flipV="1">
+            <a:off x="3520181" y="3852132"/>
+            <a:ext cx="1984393" cy="201359"/>
+          </a:xfrm>
+          <a:prstGeom prst="bentConnector2">
+            <a:avLst/>
+          </a:prstGeom>
+          <a:ln>
+            <a:solidFill>
+              <a:schemeClr val="tx1"/>
+            </a:solidFill>
+            <a:prstDash val="sysDash"/>
+            <a:headEnd type="triangle" w="med" len="med"/>
+            <a:tailEnd type="none" w="med" len="med"/>
+          </a:ln>
+        </p:spPr>
+        <p:style>
+          <a:lnRef idx="3">
+            <a:schemeClr val="accent1"/>
+          </a:lnRef>
+          <a:fillRef idx="0">
+            <a:schemeClr val="accent1"/>
+          </a:fillRef>
+          <a:effectRef idx="2">
+            <a:schemeClr val="accent1"/>
+          </a:effectRef>
+          <a:fontRef idx="minor">
+            <a:schemeClr val="tx1"/>
+          </a:fontRef>
+        </p:style>
+      </p:cxnSp>
       <p:grpSp>
         <p:nvGrpSpPr>
-          <p:cNvPr id="42" name="グループ化 41">
-            <a:extLst>
-              <a:ext uri="{FF2B5EF4-FFF2-40B4-BE49-F238E27FC236}">
-                <a16:creationId xmlns:a16="http://schemas.microsoft.com/office/drawing/2014/main" id="{2E93C064-34EA-FA8C-DA06-0882C35EF9F0}"/>
+          <p:cNvPr id="79" name="グループ化 78">
+            <a:extLst>
+              <a:ext uri="{FF2B5EF4-FFF2-40B4-BE49-F238E27FC236}">
+                <a16:creationId xmlns:a16="http://schemas.microsoft.com/office/drawing/2014/main" id="{4C7FB0D0-1C9F-A4B6-FFF0-EDD095F797A8}"/>
               </a:ext>
             </a:extLst>
           </p:cNvPr>
@@ -7892,18 +8957,18 @@
         </p:nvGrpSpPr>
         <p:grpSpPr>
           <a:xfrm>
-            <a:off x="315896" y="2627728"/>
-            <a:ext cx="1536914" cy="382419"/>
-            <a:chOff x="580806" y="3284098"/>
-            <a:chExt cx="1536914" cy="382419"/>
+            <a:off x="3361560" y="1735946"/>
+            <a:ext cx="3564827" cy="339664"/>
+            <a:chOff x="561575" y="3337716"/>
+            <a:chExt cx="3564827" cy="339664"/>
           </a:xfrm>
         </p:grpSpPr>
         <p:sp>
           <p:nvSpPr>
-            <p:cNvPr id="43" name="テキスト ボックス 42">
+            <p:cNvPr id="80" name="テキスト ボックス 79">
               <a:extLst>
                 <a:ext uri="{FF2B5EF4-FFF2-40B4-BE49-F238E27FC236}">
-                  <a16:creationId xmlns:a16="http://schemas.microsoft.com/office/drawing/2014/main" id="{5BFEDB6F-06E9-DE4A-8A76-211D835EC89D}"/>
+                  <a16:creationId xmlns:a16="http://schemas.microsoft.com/office/drawing/2014/main" id="{4A41CE0D-21D6-6270-E17D-86C3A03C981A}"/>
                 </a:ext>
               </a:extLst>
             </p:cNvPr>
@@ -7912,8 +8977,8 @@
           </p:nvSpPr>
           <p:spPr>
             <a:xfrm>
-              <a:off x="667753" y="3284098"/>
-              <a:ext cx="1449967" cy="261610"/>
+              <a:off x="648385" y="3337716"/>
+              <a:ext cx="3478017" cy="261610"/>
             </a:xfrm>
             <a:prstGeom prst="rect">
               <a:avLst/>
@@ -7931,9 +8996,9 @@
                   <a:latin typeface="Meiryo UI" panose="020B0604030504040204" pitchFamily="50" charset="-128"/>
                   <a:ea typeface="Meiryo UI" panose="020B0604030504040204" pitchFamily="50" charset="-128"/>
                 </a:rPr>
-                <a:t>PopupMenu.Show</a:t>
+                <a:t>group.invoke_action</a:t>
               </a:r>
-              <a:endParaRPr kumimoji="1" lang="ja-JP" altLang="en-US" sz="1100" dirty="0">
+              <a:endParaRPr kumimoji="1" lang="en-US" altLang="ja-JP" sz="1100" dirty="0">
                 <a:latin typeface="Meiryo UI" panose="020B0604030504040204" pitchFamily="50" charset="-128"/>
                 <a:ea typeface="Meiryo UI" panose="020B0604030504040204" pitchFamily="50" charset="-128"/>
               </a:endParaRPr>
@@ -7942,10 +9007,170 @@
         </p:sp>
         <p:sp>
           <p:nvSpPr>
-            <p:cNvPr id="44" name="ひし形 43">
+            <p:cNvPr id="81" name="ひし形 80">
               <a:extLst>
                 <a:ext uri="{FF2B5EF4-FFF2-40B4-BE49-F238E27FC236}">
-                  <a16:creationId xmlns:a16="http://schemas.microsoft.com/office/drawing/2014/main" id="{B119EBD4-1DA4-735F-ABA9-53B6A355E6DC}"/>
+                  <a16:creationId xmlns:a16="http://schemas.microsoft.com/office/drawing/2014/main" id="{817D6469-2D9F-9834-AABD-0EA7B7580860}"/>
+                </a:ext>
+              </a:extLst>
+            </p:cNvPr>
+            <p:cNvSpPr/>
+            <p:nvPr/>
+          </p:nvSpPr>
+          <p:spPr>
+            <a:xfrm>
+              <a:off x="561575" y="3514542"/>
+              <a:ext cx="150313" cy="162838"/>
+            </a:xfrm>
+            <a:prstGeom prst="diamond">
+              <a:avLst/>
+            </a:prstGeom>
+          </p:spPr>
+          <p:style>
+            <a:lnRef idx="2">
+              <a:schemeClr val="accent2">
+                <a:shade val="50000"/>
+              </a:schemeClr>
+            </a:lnRef>
+            <a:fillRef idx="1">
+              <a:schemeClr val="accent2"/>
+            </a:fillRef>
+            <a:effectRef idx="0">
+              <a:schemeClr val="accent2"/>
+            </a:effectRef>
+            <a:fontRef idx="minor">
+              <a:schemeClr val="lt1"/>
+            </a:fontRef>
+          </p:style>
+          <p:txBody>
+            <a:bodyPr wrap="none" rtlCol="0" anchor="ctr"/>
+            <a:lstStyle/>
+            <a:p>
+              <a:endParaRPr kumimoji="1" lang="ja-JP" altLang="en-US" sz="1050" dirty="0">
+                <a:solidFill>
+                  <a:schemeClr val="tx1"/>
+                </a:solidFill>
+              </a:endParaRPr>
+            </a:p>
+          </p:txBody>
+        </p:sp>
+      </p:grpSp>
+      <p:cxnSp>
+        <p:nvCxnSpPr>
+          <p:cNvPr id="82" name="直線矢印コネクタ 54">
+            <a:extLst>
+              <a:ext uri="{FF2B5EF4-FFF2-40B4-BE49-F238E27FC236}">
+                <a16:creationId xmlns:a16="http://schemas.microsoft.com/office/drawing/2014/main" id="{53193133-0CA4-3867-029D-27C571032707}"/>
+              </a:ext>
+            </a:extLst>
+          </p:cNvPr>
+          <p:cNvCxnSpPr>
+            <a:cxnSpLocks/>
+            <a:stCxn id="81" idx="1"/>
+            <a:endCxn id="49" idx="2"/>
+          </p:cNvCxnSpPr>
+          <p:nvPr/>
+        </p:nvCxnSpPr>
+        <p:spPr>
+          <a:xfrm rot="10800000">
+            <a:off x="1908656" y="1684161"/>
+            <a:ext cx="1452904" cy="310030"/>
+          </a:xfrm>
+          <a:prstGeom prst="bentConnector2">
+            <a:avLst/>
+          </a:prstGeom>
+          <a:ln>
+            <a:solidFill>
+              <a:schemeClr val="tx1"/>
+            </a:solidFill>
+            <a:prstDash val="sysDash"/>
+            <a:headEnd type="triangle" w="med" len="med"/>
+            <a:tailEnd type="none" w="med" len="med"/>
+          </a:ln>
+        </p:spPr>
+        <p:style>
+          <a:lnRef idx="3">
+            <a:schemeClr val="accent1"/>
+          </a:lnRef>
+          <a:fillRef idx="0">
+            <a:schemeClr val="accent1"/>
+          </a:fillRef>
+          <a:effectRef idx="2">
+            <a:schemeClr val="accent1"/>
+          </a:effectRef>
+          <a:fontRef idx="minor">
+            <a:schemeClr val="tx1"/>
+          </a:fontRef>
+        </p:style>
+      </p:cxnSp>
+      <p:grpSp>
+        <p:nvGrpSpPr>
+          <p:cNvPr id="83" name="グループ化 82">
+            <a:extLst>
+              <a:ext uri="{FF2B5EF4-FFF2-40B4-BE49-F238E27FC236}">
+                <a16:creationId xmlns:a16="http://schemas.microsoft.com/office/drawing/2014/main" id="{003822BD-8F62-FEFF-1DF3-9210F30ED026}"/>
+              </a:ext>
+            </a:extLst>
+          </p:cNvPr>
+          <p:cNvGrpSpPr/>
+          <p:nvPr/>
+        </p:nvGrpSpPr>
+        <p:grpSpPr>
+          <a:xfrm>
+            <a:off x="3351934" y="5771248"/>
+            <a:ext cx="2101906" cy="261610"/>
+            <a:chOff x="580806" y="3433925"/>
+            <a:chExt cx="1905344" cy="261610"/>
+          </a:xfrm>
+        </p:grpSpPr>
+        <p:sp>
+          <p:nvSpPr>
+            <p:cNvPr id="84" name="テキスト ボックス 83">
+              <a:extLst>
+                <a:ext uri="{FF2B5EF4-FFF2-40B4-BE49-F238E27FC236}">
+                  <a16:creationId xmlns:a16="http://schemas.microsoft.com/office/drawing/2014/main" id="{C6A404A1-B826-8D06-5F36-EC831B798F0C}"/>
+                </a:ext>
+              </a:extLst>
+            </p:cNvPr>
+            <p:cNvSpPr txBox="1"/>
+            <p:nvPr/>
+          </p:nvSpPr>
+          <p:spPr>
+            <a:xfrm>
+              <a:off x="682159" y="3433925"/>
+              <a:ext cx="1803991" cy="261610"/>
+            </a:xfrm>
+            <a:prstGeom prst="rect">
+              <a:avLst/>
+            </a:prstGeom>
+            <a:noFill/>
+          </p:spPr>
+          <p:txBody>
+            <a:bodyPr wrap="square" rtlCol="0">
+              <a:spAutoFit/>
+            </a:bodyPr>
+            <a:lstStyle/>
+            <a:p>
+              <a:r>
+                <a:rPr kumimoji="1" lang="en-US" altLang="ja-JP" sz="1100" dirty="0" err="1">
+                  <a:latin typeface="Meiryo UI" panose="020B0604030504040204" pitchFamily="50" charset="-128"/>
+                  <a:ea typeface="Meiryo UI" panose="020B0604030504040204" pitchFamily="50" charset="-128"/>
+                </a:rPr>
+                <a:t>tools.editor.load</a:t>
+              </a:r>
+              <a:endParaRPr kumimoji="1" lang="en-US" altLang="ja-JP" sz="1100" dirty="0">
+                <a:latin typeface="Meiryo UI" panose="020B0604030504040204" pitchFamily="50" charset="-128"/>
+                <a:ea typeface="Meiryo UI" panose="020B0604030504040204" pitchFamily="50" charset="-128"/>
+              </a:endParaRPr>
+            </a:p>
+          </p:txBody>
+        </p:sp>
+        <p:sp>
+          <p:nvSpPr>
+            <p:cNvPr id="85" name="ひし形 84">
+              <a:extLst>
+                <a:ext uri="{FF2B5EF4-FFF2-40B4-BE49-F238E27FC236}">
+                  <a16:creationId xmlns:a16="http://schemas.microsoft.com/office/drawing/2014/main" id="{D20D67D3-A5C1-EF99-EACA-B882E5F72E40}"/>
                 </a:ext>
               </a:extLst>
             </p:cNvPr>
@@ -7963,15 +9188,15 @@
           </p:spPr>
           <p:style>
             <a:lnRef idx="2">
-              <a:schemeClr val="accent1">
+              <a:schemeClr val="accent2">
                 <a:shade val="50000"/>
               </a:schemeClr>
             </a:lnRef>
             <a:fillRef idx="1">
-              <a:schemeClr val="accent1"/>
+              <a:schemeClr val="accent2"/>
             </a:fillRef>
             <a:effectRef idx="0">
-              <a:schemeClr val="accent1"/>
+              <a:schemeClr val="accent2"/>
             </a:effectRef>
             <a:fontRef idx="minor">
               <a:schemeClr val="lt1"/>
@@ -7992,656 +9217,24 @@
       </p:grpSp>
       <p:cxnSp>
         <p:nvCxnSpPr>
-          <p:cNvPr id="70" name="直線矢印コネクタ 54">
-            <a:extLst>
-              <a:ext uri="{FF2B5EF4-FFF2-40B4-BE49-F238E27FC236}">
-                <a16:creationId xmlns:a16="http://schemas.microsoft.com/office/drawing/2014/main" id="{1D3D982A-30F4-4105-E06B-75B784C3A25D}"/>
+          <p:cNvPr id="86" name="直線矢印コネクタ 54">
+            <a:extLst>
+              <a:ext uri="{FF2B5EF4-FFF2-40B4-BE49-F238E27FC236}">
+                <a16:creationId xmlns:a16="http://schemas.microsoft.com/office/drawing/2014/main" id="{CFD4415D-0DB1-6B63-375F-3BF84BBF4B3C}"/>
               </a:ext>
             </a:extLst>
           </p:cNvPr>
           <p:cNvCxnSpPr>
             <a:cxnSpLocks/>
-            <a:endCxn id="97" idx="1"/>
-          </p:cNvCxnSpPr>
-          <p:nvPr/>
-        </p:nvCxnSpPr>
-        <p:spPr>
-          <a:xfrm rot="16200000" flipH="1">
-            <a:off x="4582479" y="744031"/>
-            <a:ext cx="1319389" cy="3601281"/>
-          </a:xfrm>
-          <a:prstGeom prst="bentConnector2">
-            <a:avLst/>
-          </a:prstGeom>
-          <a:ln>
-            <a:solidFill>
-              <a:schemeClr val="accent2"/>
-            </a:solidFill>
-            <a:prstDash val="sysDash"/>
-            <a:headEnd type="none" w="med" len="med"/>
-            <a:tailEnd type="triangle" w="med" len="med"/>
-          </a:ln>
-        </p:spPr>
-        <p:style>
-          <a:lnRef idx="3">
-            <a:schemeClr val="accent1"/>
-          </a:lnRef>
-          <a:fillRef idx="0">
-            <a:schemeClr val="accent1"/>
-          </a:fillRef>
-          <a:effectRef idx="2">
-            <a:schemeClr val="accent1"/>
-          </a:effectRef>
-          <a:fontRef idx="minor">
-            <a:schemeClr val="tx1"/>
-          </a:fontRef>
-        </p:style>
-      </p:cxnSp>
-      <p:sp>
-        <p:nvSpPr>
-          <p:cNvPr id="72" name="テキスト ボックス 71">
-            <a:extLst>
-              <a:ext uri="{FF2B5EF4-FFF2-40B4-BE49-F238E27FC236}">
-                <a16:creationId xmlns:a16="http://schemas.microsoft.com/office/drawing/2014/main" id="{0B06B5BD-DC43-A795-9FFF-11011921B9D9}"/>
-              </a:ext>
-            </a:extLst>
-          </p:cNvPr>
-          <p:cNvSpPr txBox="1"/>
-          <p:nvPr/>
-        </p:nvSpPr>
-        <p:spPr>
-          <a:xfrm>
-            <a:off x="1370566" y="4038904"/>
-            <a:ext cx="1130438" cy="261610"/>
-          </a:xfrm>
-          <a:prstGeom prst="rect">
-            <a:avLst/>
-          </a:prstGeom>
-        </p:spPr>
-        <p:style>
-          <a:lnRef idx="2">
-            <a:schemeClr val="accent1"/>
-          </a:lnRef>
-          <a:fillRef idx="1">
-            <a:schemeClr val="lt1"/>
-          </a:fillRef>
-          <a:effectRef idx="0">
-            <a:schemeClr val="accent1"/>
-          </a:effectRef>
-          <a:fontRef idx="minor">
-            <a:schemeClr val="dk1"/>
-          </a:fontRef>
-        </p:style>
-        <p:txBody>
-          <a:bodyPr wrap="none" rtlCol="0">
-            <a:spAutoFit/>
-          </a:bodyPr>
-          <a:lstStyle/>
-          <a:p>
-            <a:r>
-              <a:rPr kumimoji="1" lang="en-US" altLang="ja-JP" sz="1100" dirty="0">
-                <a:latin typeface="Meiryo UI" panose="020B0604030504040204" pitchFamily="50" charset="-128"/>
-                <a:ea typeface="Meiryo UI" panose="020B0604030504040204" pitchFamily="50" charset="-128"/>
-              </a:rPr>
-              <a:t>‘Editor’ Alt</a:t>
-            </a:r>
-            <a:r>
-              <a:rPr kumimoji="1" lang="ja-JP" altLang="en-US" sz="1100" dirty="0">
-                <a:latin typeface="Meiryo UI" panose="020B0604030504040204" pitchFamily="50" charset="-128"/>
-                <a:ea typeface="Meiryo UI" panose="020B0604030504040204" pitchFamily="50" charset="-128"/>
-              </a:rPr>
-              <a:t>＋</a:t>
-            </a:r>
-            <a:r>
-              <a:rPr kumimoji="1" lang="en-US" altLang="ja-JP" sz="1100" dirty="0">
-                <a:latin typeface="Meiryo UI" panose="020B0604030504040204" pitchFamily="50" charset="-128"/>
-                <a:ea typeface="Meiryo UI" panose="020B0604030504040204" pitchFamily="50" charset="-128"/>
-              </a:rPr>
-              <a:t>V</a:t>
-            </a:r>
-            <a:endParaRPr kumimoji="1" lang="ja-JP" altLang="en-US" sz="1100" dirty="0">
-              <a:latin typeface="Meiryo UI" panose="020B0604030504040204" pitchFamily="50" charset="-128"/>
-              <a:ea typeface="Meiryo UI" panose="020B0604030504040204" pitchFamily="50" charset="-128"/>
-            </a:endParaRPr>
-          </a:p>
-        </p:txBody>
-      </p:sp>
-      <p:cxnSp>
-        <p:nvCxnSpPr>
-          <p:cNvPr id="88" name="直線矢印コネクタ 54">
-            <a:extLst>
-              <a:ext uri="{FF2B5EF4-FFF2-40B4-BE49-F238E27FC236}">
-                <a16:creationId xmlns:a16="http://schemas.microsoft.com/office/drawing/2014/main" id="{0EED5BBC-444E-9DE4-5F9A-F2C159418C63}"/>
-              </a:ext>
-            </a:extLst>
-          </p:cNvPr>
-          <p:cNvCxnSpPr>
-            <a:cxnSpLocks/>
-            <a:stCxn id="44" idx="3"/>
-          </p:cNvCxnSpPr>
-          <p:nvPr/>
-        </p:nvCxnSpPr>
-        <p:spPr>
-          <a:xfrm flipV="1">
-            <a:off x="466209" y="1884978"/>
-            <a:ext cx="2975324" cy="1043750"/>
-          </a:xfrm>
-          <a:prstGeom prst="bentConnector2">
-            <a:avLst/>
-          </a:prstGeom>
-          <a:ln>
-            <a:solidFill>
-              <a:schemeClr val="accent2"/>
-            </a:solidFill>
-            <a:prstDash val="sysDash"/>
-            <a:headEnd type="triangle" w="med" len="med"/>
-            <a:tailEnd type="none" w="med" len="med"/>
-          </a:ln>
-        </p:spPr>
-        <p:style>
-          <a:lnRef idx="3">
-            <a:schemeClr val="accent1"/>
-          </a:lnRef>
-          <a:fillRef idx="0">
-            <a:schemeClr val="accent1"/>
-          </a:fillRef>
-          <a:effectRef idx="2">
-            <a:schemeClr val="accent1"/>
-          </a:effectRef>
-          <a:fontRef idx="minor">
-            <a:schemeClr val="tx1"/>
-          </a:fontRef>
-        </p:style>
-      </p:cxnSp>
-      <p:grpSp>
-        <p:nvGrpSpPr>
-          <p:cNvPr id="95" name="グループ化 94">
-            <a:extLst>
-              <a:ext uri="{FF2B5EF4-FFF2-40B4-BE49-F238E27FC236}">
-                <a16:creationId xmlns:a16="http://schemas.microsoft.com/office/drawing/2014/main" id="{355AC861-1A70-4624-E1DC-56D6B7EE7327}"/>
-              </a:ext>
-            </a:extLst>
-          </p:cNvPr>
-          <p:cNvGrpSpPr/>
-          <p:nvPr/>
-        </p:nvGrpSpPr>
-        <p:grpSpPr>
-          <a:xfrm>
-            <a:off x="7042814" y="3122948"/>
-            <a:ext cx="1878336" cy="790647"/>
-            <a:chOff x="580806" y="3503679"/>
-            <a:chExt cx="1878336" cy="790647"/>
-          </a:xfrm>
-        </p:grpSpPr>
-        <p:sp>
-          <p:nvSpPr>
-            <p:cNvPr id="96" name="テキスト ボックス 95">
-              <a:extLst>
-                <a:ext uri="{FF2B5EF4-FFF2-40B4-BE49-F238E27FC236}">
-                  <a16:creationId xmlns:a16="http://schemas.microsoft.com/office/drawing/2014/main" id="{1AA28B46-57AC-C065-2A15-10AFDB5102D5}"/>
-                </a:ext>
-              </a:extLst>
-            </p:cNvPr>
-            <p:cNvSpPr txBox="1"/>
-            <p:nvPr/>
-          </p:nvSpPr>
-          <p:spPr>
-            <a:xfrm>
-              <a:off x="704407" y="3524885"/>
-              <a:ext cx="1754735" cy="769441"/>
-            </a:xfrm>
-            <a:prstGeom prst="rect">
-              <a:avLst/>
-            </a:prstGeom>
-            <a:noFill/>
-          </p:spPr>
-          <p:txBody>
-            <a:bodyPr wrap="square" rtlCol="0">
-              <a:spAutoFit/>
-            </a:bodyPr>
-            <a:lstStyle/>
-            <a:p>
-              <a:r>
-                <a:rPr kumimoji="1" lang="en-US" altLang="ja-JP" sz="1100" dirty="0">
-                  <a:latin typeface="Meiryo UI" panose="020B0604030504040204" pitchFamily="50" charset="-128"/>
-                  <a:ea typeface="Meiryo UI" panose="020B0604030504040204" pitchFamily="50" charset="-128"/>
-                </a:rPr>
-                <a:t>[</a:t>
-              </a:r>
-              <a:r>
-                <a:rPr kumimoji="1" lang="en-US" altLang="ja-JP" sz="1100" dirty="0" err="1">
-                  <a:latin typeface="Meiryo UI" panose="020B0604030504040204" pitchFamily="50" charset="-128"/>
-                  <a:ea typeface="Meiryo UI" panose="020B0604030504040204" pitchFamily="50" charset="-128"/>
-                </a:rPr>
-                <a:t>TTMemo</a:t>
-              </a:r>
-              <a:r>
-                <a:rPr kumimoji="1" lang="en-US" altLang="ja-JP" sz="1100" dirty="0">
-                  <a:latin typeface="Meiryo UI" panose="020B0604030504040204" pitchFamily="50" charset="-128"/>
-                  <a:ea typeface="Meiryo UI" panose="020B0604030504040204" pitchFamily="50" charset="-128"/>
-                </a:rPr>
-                <a:t>]::Invoke</a:t>
-              </a:r>
-            </a:p>
-            <a:p>
-              <a:r>
-                <a:rPr kumimoji="1" lang="ja-JP" altLang="en-US" sz="1100" dirty="0">
-                  <a:latin typeface="Meiryo UI" panose="020B0604030504040204" pitchFamily="50" charset="-128"/>
-                  <a:ea typeface="Meiryo UI" panose="020B0604030504040204" pitchFamily="50" charset="-128"/>
-                </a:rPr>
-                <a:t>↓</a:t>
-              </a:r>
-              <a:endParaRPr kumimoji="1" lang="en-US" altLang="ja-JP" sz="1100" dirty="0">
-                <a:latin typeface="Meiryo UI" panose="020B0604030504040204" pitchFamily="50" charset="-128"/>
-                <a:ea typeface="Meiryo UI" panose="020B0604030504040204" pitchFamily="50" charset="-128"/>
-              </a:endParaRPr>
-            </a:p>
-            <a:p>
-              <a:r>
-                <a:rPr kumimoji="1" lang="en-US" altLang="ja-JP" sz="1100" dirty="0">
-                  <a:latin typeface="Meiryo UI" panose="020B0604030504040204" pitchFamily="50" charset="-128"/>
-                  <a:ea typeface="Meiryo UI" panose="020B0604030504040204" pitchFamily="50" charset="-128"/>
-                </a:rPr>
-                <a:t>[</a:t>
-              </a:r>
-              <a:r>
-                <a:rPr kumimoji="1" lang="en-US" altLang="ja-JP" sz="1100" dirty="0" err="1">
-                  <a:latin typeface="Meiryo UI" panose="020B0604030504040204" pitchFamily="50" charset="-128"/>
-                  <a:ea typeface="Meiryo UI" panose="020B0604030504040204" pitchFamily="50" charset="-128"/>
-                </a:rPr>
-                <a:t>TTMemo</a:t>
-              </a:r>
-              <a:r>
-                <a:rPr kumimoji="1" lang="en-US" altLang="ja-JP" sz="1100" dirty="0">
-                  <a:latin typeface="Meiryo UI" panose="020B0604030504040204" pitchFamily="50" charset="-128"/>
-                  <a:ea typeface="Meiryo UI" panose="020B0604030504040204" pitchFamily="50" charset="-128"/>
-                </a:rPr>
-                <a:t>]::</a:t>
-              </a:r>
-            </a:p>
-            <a:p>
-              <a:r>
-                <a:rPr kumimoji="1" lang="en-US" altLang="ja-JP" sz="1100" dirty="0" err="1">
-                  <a:latin typeface="Meiryo UI" panose="020B0604030504040204" pitchFamily="50" charset="-128"/>
-                  <a:ea typeface="Meiryo UI" panose="020B0604030504040204" pitchFamily="50" charset="-128"/>
-                </a:rPr>
-                <a:t>ActionToClipboard</a:t>
-              </a:r>
-              <a:endParaRPr kumimoji="1" lang="en-US" altLang="ja-JP" sz="1100" dirty="0">
-                <a:latin typeface="Meiryo UI" panose="020B0604030504040204" pitchFamily="50" charset="-128"/>
-                <a:ea typeface="Meiryo UI" panose="020B0604030504040204" pitchFamily="50" charset="-128"/>
-              </a:endParaRPr>
-            </a:p>
-          </p:txBody>
-        </p:sp>
-        <p:sp>
-          <p:nvSpPr>
-            <p:cNvPr id="97" name="ひし形 96">
-              <a:extLst>
-                <a:ext uri="{FF2B5EF4-FFF2-40B4-BE49-F238E27FC236}">
-                  <a16:creationId xmlns:a16="http://schemas.microsoft.com/office/drawing/2014/main" id="{CE5306B1-0AA8-2249-3D11-D142A8C8F2CF}"/>
-                </a:ext>
-              </a:extLst>
-            </p:cNvPr>
-            <p:cNvSpPr/>
-            <p:nvPr/>
-          </p:nvSpPr>
-          <p:spPr>
-            <a:xfrm>
-              <a:off x="580806" y="3503679"/>
-              <a:ext cx="150313" cy="162838"/>
-            </a:xfrm>
-            <a:prstGeom prst="diamond">
-              <a:avLst/>
-            </a:prstGeom>
-          </p:spPr>
-          <p:style>
-            <a:lnRef idx="2">
-              <a:schemeClr val="accent6">
-                <a:shade val="50000"/>
-              </a:schemeClr>
-            </a:lnRef>
-            <a:fillRef idx="1">
-              <a:schemeClr val="accent6"/>
-            </a:fillRef>
-            <a:effectRef idx="0">
-              <a:schemeClr val="accent6"/>
-            </a:effectRef>
-            <a:fontRef idx="minor">
-              <a:schemeClr val="lt1"/>
-            </a:fontRef>
-          </p:style>
-          <p:txBody>
-            <a:bodyPr wrap="none" rtlCol="0" anchor="ctr"/>
-            <a:lstStyle/>
-            <a:p>
-              <a:endParaRPr kumimoji="1" lang="ja-JP" altLang="en-US" sz="1050" dirty="0">
-                <a:solidFill>
-                  <a:schemeClr val="tx1"/>
-                </a:solidFill>
-              </a:endParaRPr>
-            </a:p>
-          </p:txBody>
-        </p:sp>
-      </p:grpSp>
-      <p:cxnSp>
-        <p:nvCxnSpPr>
-          <p:cNvPr id="99" name="直線矢印コネクタ 54">
-            <a:extLst>
-              <a:ext uri="{FF2B5EF4-FFF2-40B4-BE49-F238E27FC236}">
-                <a16:creationId xmlns:a16="http://schemas.microsoft.com/office/drawing/2014/main" id="{77EEBC73-085A-2E37-8D91-2F094207055E}"/>
-              </a:ext>
-            </a:extLst>
-          </p:cNvPr>
-          <p:cNvCxnSpPr>
-            <a:cxnSpLocks/>
-            <a:stCxn id="97" idx="2"/>
-            <a:endCxn id="104" idx="3"/>
-          </p:cNvCxnSpPr>
-          <p:nvPr/>
-        </p:nvCxnSpPr>
-        <p:spPr>
-          <a:xfrm rot="5400000">
-            <a:off x="6120573" y="2747968"/>
-            <a:ext cx="459580" cy="1535216"/>
-          </a:xfrm>
-          <a:prstGeom prst="bentConnector2">
-            <a:avLst/>
-          </a:prstGeom>
-          <a:ln>
-            <a:solidFill>
-              <a:schemeClr val="accent6"/>
-            </a:solidFill>
-            <a:prstDash val="sysDash"/>
-            <a:headEnd type="triangle" w="med" len="med"/>
-            <a:tailEnd type="triangle" w="med" len="med"/>
-          </a:ln>
-        </p:spPr>
-        <p:style>
-          <a:lnRef idx="3">
-            <a:schemeClr val="accent1"/>
-          </a:lnRef>
-          <a:fillRef idx="0">
-            <a:schemeClr val="accent1"/>
-          </a:fillRef>
-          <a:effectRef idx="2">
-            <a:schemeClr val="accent1"/>
-          </a:effectRef>
-          <a:fontRef idx="minor">
-            <a:schemeClr val="tx1"/>
-          </a:fontRef>
-        </p:style>
-      </p:cxnSp>
-      <p:grpSp>
-        <p:nvGrpSpPr>
-          <p:cNvPr id="102" name="グループ化 101">
-            <a:extLst>
-              <a:ext uri="{FF2B5EF4-FFF2-40B4-BE49-F238E27FC236}">
-                <a16:creationId xmlns:a16="http://schemas.microsoft.com/office/drawing/2014/main" id="{834BC2BD-296B-ED69-1566-9B339C385B47}"/>
-              </a:ext>
-            </a:extLst>
-          </p:cNvPr>
-          <p:cNvGrpSpPr/>
-          <p:nvPr/>
-        </p:nvGrpSpPr>
-        <p:grpSpPr>
-          <a:xfrm>
-            <a:off x="5448053" y="3663947"/>
-            <a:ext cx="1940490" cy="529830"/>
-            <a:chOff x="580806" y="3503679"/>
-            <a:chExt cx="2165382" cy="529830"/>
-          </a:xfrm>
-        </p:grpSpPr>
-        <p:sp>
-          <p:nvSpPr>
-            <p:cNvPr id="103" name="テキスト ボックス 102">
-              <a:extLst>
-                <a:ext uri="{FF2B5EF4-FFF2-40B4-BE49-F238E27FC236}">
-                  <a16:creationId xmlns:a16="http://schemas.microsoft.com/office/drawing/2014/main" id="{3E06BF7C-18D4-1C61-D544-58A1F0E30DC6}"/>
-                </a:ext>
-              </a:extLst>
-            </p:cNvPr>
-            <p:cNvSpPr txBox="1"/>
-            <p:nvPr/>
-          </p:nvSpPr>
-          <p:spPr>
-            <a:xfrm>
-              <a:off x="670389" y="3602622"/>
-              <a:ext cx="2075799" cy="430887"/>
-            </a:xfrm>
-            <a:prstGeom prst="rect">
-              <a:avLst/>
-            </a:prstGeom>
-            <a:noFill/>
-          </p:spPr>
-          <p:txBody>
-            <a:bodyPr wrap="square" rtlCol="0">
-              <a:spAutoFit/>
-            </a:bodyPr>
-            <a:lstStyle/>
-            <a:p>
-              <a:r>
-                <a:rPr kumimoji="1" lang="en-US" altLang="ja-JP" sz="1100" dirty="0" err="1">
-                  <a:latin typeface="Meiryo UI" panose="020B0604030504040204" pitchFamily="50" charset="-128"/>
-                  <a:ea typeface="Meiryo UI" panose="020B0604030504040204" pitchFamily="50" charset="-128"/>
-                </a:rPr>
-                <a:t>ttact_copy_object</a:t>
-              </a:r>
-              <a:endParaRPr kumimoji="1" lang="en-US" altLang="ja-JP" sz="1100" dirty="0">
-                <a:latin typeface="Meiryo UI" panose="020B0604030504040204" pitchFamily="50" charset="-128"/>
-                <a:ea typeface="Meiryo UI" panose="020B0604030504040204" pitchFamily="50" charset="-128"/>
-              </a:endParaRPr>
-            </a:p>
-            <a:p>
-              <a:r>
-                <a:rPr kumimoji="1" lang="ja-JP" altLang="en-US" sz="1100" dirty="0">
-                  <a:latin typeface="Meiryo UI" panose="020B0604030504040204" pitchFamily="50" charset="-128"/>
-                  <a:ea typeface="Meiryo UI" panose="020B0604030504040204" pitchFamily="50" charset="-128"/>
-                </a:rPr>
-                <a:t>→</a:t>
-              </a:r>
-              <a:r>
-                <a:rPr kumimoji="1" lang="en-US" altLang="ja-JP" sz="1100" dirty="0">
-                  <a:latin typeface="Meiryo UI" panose="020B0604030504040204" pitchFamily="50" charset="-128"/>
-                  <a:ea typeface="Meiryo UI" panose="020B0604030504040204" pitchFamily="50" charset="-128"/>
-                </a:rPr>
-                <a:t>[</a:t>
-              </a:r>
-              <a:r>
-                <a:rPr kumimoji="1" lang="en-US" altLang="ja-JP" sz="1100" dirty="0" err="1">
-                  <a:latin typeface="Meiryo UI" panose="020B0604030504040204" pitchFamily="50" charset="-128"/>
-                  <a:ea typeface="Meiryo UI" panose="020B0604030504040204" pitchFamily="50" charset="-128"/>
-                </a:rPr>
-                <a:t>TTClipboard</a:t>
-              </a:r>
-              <a:r>
-                <a:rPr kumimoji="1" lang="en-US" altLang="ja-JP" sz="1100" dirty="0">
-                  <a:latin typeface="Meiryo UI" panose="020B0604030504040204" pitchFamily="50" charset="-128"/>
-                  <a:ea typeface="Meiryo UI" panose="020B0604030504040204" pitchFamily="50" charset="-128"/>
-                </a:rPr>
-                <a:t>]::Copy</a:t>
-              </a:r>
-            </a:p>
-          </p:txBody>
-        </p:sp>
-        <p:sp>
-          <p:nvSpPr>
-            <p:cNvPr id="104" name="ひし形 103">
-              <a:extLst>
-                <a:ext uri="{FF2B5EF4-FFF2-40B4-BE49-F238E27FC236}">
-                  <a16:creationId xmlns:a16="http://schemas.microsoft.com/office/drawing/2014/main" id="{C24AAC9B-CA48-A2AD-6B60-D172E08495F3}"/>
-                </a:ext>
-              </a:extLst>
-            </p:cNvPr>
-            <p:cNvSpPr/>
-            <p:nvPr/>
-          </p:nvSpPr>
-          <p:spPr>
-            <a:xfrm>
-              <a:off x="580806" y="3503679"/>
-              <a:ext cx="150313" cy="162838"/>
-            </a:xfrm>
-            <a:prstGeom prst="diamond">
-              <a:avLst/>
-            </a:prstGeom>
-          </p:spPr>
-          <p:style>
-            <a:lnRef idx="2">
-              <a:schemeClr val="dk1"/>
-            </a:lnRef>
-            <a:fillRef idx="1">
-              <a:schemeClr val="lt1"/>
-            </a:fillRef>
-            <a:effectRef idx="0">
-              <a:schemeClr val="dk1"/>
-            </a:effectRef>
-            <a:fontRef idx="minor">
-              <a:schemeClr val="dk1"/>
-            </a:fontRef>
-          </p:style>
-          <p:txBody>
-            <a:bodyPr wrap="none" rtlCol="0" anchor="ctr"/>
-            <a:lstStyle/>
-            <a:p>
-              <a:endParaRPr kumimoji="1" lang="ja-JP" altLang="en-US" sz="1050" dirty="0">
-                <a:solidFill>
-                  <a:schemeClr val="tx1"/>
-                </a:solidFill>
-              </a:endParaRPr>
-            </a:p>
-          </p:txBody>
-        </p:sp>
-      </p:grpSp>
-      <p:grpSp>
-        <p:nvGrpSpPr>
-          <p:cNvPr id="108" name="グループ化 107">
-            <a:extLst>
-              <a:ext uri="{FF2B5EF4-FFF2-40B4-BE49-F238E27FC236}">
-                <a16:creationId xmlns:a16="http://schemas.microsoft.com/office/drawing/2014/main" id="{9099C2EB-C290-6389-E3B6-D45FDB485A82}"/>
-              </a:ext>
-            </a:extLst>
-          </p:cNvPr>
-          <p:cNvGrpSpPr/>
-          <p:nvPr/>
-        </p:nvGrpSpPr>
-        <p:grpSpPr>
-          <a:xfrm>
-            <a:off x="1828050" y="4367131"/>
-            <a:ext cx="2019184" cy="430887"/>
-            <a:chOff x="556046" y="3339778"/>
-            <a:chExt cx="2019184" cy="430887"/>
-          </a:xfrm>
-        </p:grpSpPr>
-        <p:sp>
-          <p:nvSpPr>
-            <p:cNvPr id="109" name="テキスト ボックス 108">
-              <a:extLst>
-                <a:ext uri="{FF2B5EF4-FFF2-40B4-BE49-F238E27FC236}">
-                  <a16:creationId xmlns:a16="http://schemas.microsoft.com/office/drawing/2014/main" id="{2572554F-F125-1927-2B99-260AE9A2DB4F}"/>
-                </a:ext>
-              </a:extLst>
-            </p:cNvPr>
-            <p:cNvSpPr txBox="1"/>
-            <p:nvPr/>
-          </p:nvSpPr>
-          <p:spPr>
-            <a:xfrm>
-              <a:off x="658474" y="3339778"/>
-              <a:ext cx="1916756" cy="430887"/>
-            </a:xfrm>
-            <a:prstGeom prst="rect">
-              <a:avLst/>
-            </a:prstGeom>
-            <a:noFill/>
-          </p:spPr>
-          <p:txBody>
-            <a:bodyPr wrap="square" rtlCol="0">
-              <a:spAutoFit/>
-            </a:bodyPr>
-            <a:lstStyle/>
-            <a:p>
-              <a:r>
-                <a:rPr kumimoji="1" lang="en-US" altLang="ja-JP" sz="1100" dirty="0" err="1">
-                  <a:latin typeface="Meiryo UI" panose="020B0604030504040204" pitchFamily="50" charset="-128"/>
-                  <a:ea typeface="Meiryo UI" panose="020B0604030504040204" pitchFamily="50" charset="-128"/>
-                </a:rPr>
-                <a:t>ttcmd_editor_edit_insert_clipboard</a:t>
-              </a:r>
-              <a:endParaRPr kumimoji="1" lang="en-US" altLang="ja-JP" sz="1100" dirty="0">
-                <a:latin typeface="Meiryo UI" panose="020B0604030504040204" pitchFamily="50" charset="-128"/>
-                <a:ea typeface="Meiryo UI" panose="020B0604030504040204" pitchFamily="50" charset="-128"/>
-              </a:endParaRPr>
-            </a:p>
-          </p:txBody>
-        </p:sp>
-        <p:sp>
-          <p:nvSpPr>
-            <p:cNvPr id="110" name="ひし形 109">
-              <a:extLst>
-                <a:ext uri="{FF2B5EF4-FFF2-40B4-BE49-F238E27FC236}">
-                  <a16:creationId xmlns:a16="http://schemas.microsoft.com/office/drawing/2014/main" id="{72056FA1-92EB-023B-31FF-2D11BD3C7E0C}"/>
-                </a:ext>
-              </a:extLst>
-            </p:cNvPr>
-            <p:cNvSpPr/>
-            <p:nvPr/>
-          </p:nvSpPr>
-          <p:spPr>
-            <a:xfrm>
-              <a:off x="556046" y="3503679"/>
-              <a:ext cx="150313" cy="162838"/>
-            </a:xfrm>
-            <a:prstGeom prst="diamond">
-              <a:avLst/>
-            </a:prstGeom>
-          </p:spPr>
-          <p:style>
-            <a:lnRef idx="2">
-              <a:schemeClr val="dk1"/>
-            </a:lnRef>
-            <a:fillRef idx="1">
-              <a:schemeClr val="lt1"/>
-            </a:fillRef>
-            <a:effectRef idx="0">
-              <a:schemeClr val="dk1"/>
-            </a:effectRef>
-            <a:fontRef idx="minor">
-              <a:schemeClr val="dk1"/>
-            </a:fontRef>
-          </p:style>
-          <p:txBody>
-            <a:bodyPr wrap="none" rtlCol="0" anchor="ctr"/>
-            <a:lstStyle/>
-            <a:p>
-              <a:endParaRPr kumimoji="1" lang="ja-JP" altLang="en-US" sz="1050" dirty="0">
-                <a:solidFill>
-                  <a:schemeClr val="tx1"/>
-                </a:solidFill>
-              </a:endParaRPr>
-            </a:p>
-          </p:txBody>
-        </p:sp>
-      </p:grpSp>
-      <p:cxnSp>
-        <p:nvCxnSpPr>
-          <p:cNvPr id="118" name="直線矢印コネクタ 54">
-            <a:extLst>
-              <a:ext uri="{FF2B5EF4-FFF2-40B4-BE49-F238E27FC236}">
-                <a16:creationId xmlns:a16="http://schemas.microsoft.com/office/drawing/2014/main" id="{648C0633-5A0E-C61E-D9AC-C78B971EED77}"/>
-              </a:ext>
-            </a:extLst>
-          </p:cNvPr>
-          <p:cNvCxnSpPr>
-            <a:cxnSpLocks/>
-            <a:stCxn id="58" idx="1"/>
-            <a:endCxn id="110" idx="2"/>
+            <a:stCxn id="85" idx="1"/>
+            <a:endCxn id="55" idx="2"/>
           </p:cNvCxnSpPr>
           <p:nvPr/>
         </p:nvCxnSpPr>
         <p:spPr>
           <a:xfrm rot="10800000">
-            <a:off x="1903207" y="4693870"/>
-            <a:ext cx="1472938" cy="351564"/>
+            <a:off x="1893820" y="5025219"/>
+            <a:ext cx="1458115" cy="897202"/>
           </a:xfrm>
           <a:prstGeom prst="bentConnector2">
             <a:avLst/>
@@ -8670,12 +9263,62 @@
           </a:fontRef>
         </p:style>
       </p:cxnSp>
+      <p:cxnSp>
+        <p:nvCxnSpPr>
+          <p:cNvPr id="91" name="直線矢印コネクタ 54">
+            <a:extLst>
+              <a:ext uri="{FF2B5EF4-FFF2-40B4-BE49-F238E27FC236}">
+                <a16:creationId xmlns:a16="http://schemas.microsoft.com/office/drawing/2014/main" id="{9958C7E8-D467-7122-6748-8178DE72B31F}"/>
+              </a:ext>
+            </a:extLst>
+          </p:cNvPr>
+          <p:cNvCxnSpPr>
+            <a:cxnSpLocks/>
+            <a:stCxn id="65" idx="1"/>
+            <a:endCxn id="81" idx="3"/>
+          </p:cNvCxnSpPr>
+          <p:nvPr/>
+        </p:nvCxnSpPr>
+        <p:spPr>
+          <a:xfrm rot="10800000">
+            <a:off x="3511873" y="1994191"/>
+            <a:ext cx="3516680" cy="1476846"/>
+          </a:xfrm>
+          <a:prstGeom prst="bentConnector3">
+            <a:avLst>
+              <a:gd name="adj1" fmla="val 50000"/>
+            </a:avLst>
+          </a:prstGeom>
+          <a:ln>
+            <a:solidFill>
+              <a:schemeClr val="accent2"/>
+            </a:solidFill>
+            <a:prstDash val="sysDash"/>
+            <a:headEnd type="triangle" w="med" len="med"/>
+            <a:tailEnd type="none" w="med" len="med"/>
+          </a:ln>
+        </p:spPr>
+        <p:style>
+          <a:lnRef idx="3">
+            <a:schemeClr val="accent1"/>
+          </a:lnRef>
+          <a:fillRef idx="0">
+            <a:schemeClr val="accent1"/>
+          </a:fillRef>
+          <a:effectRef idx="2">
+            <a:schemeClr val="accent1"/>
+          </a:effectRef>
+          <a:fontRef idx="minor">
+            <a:schemeClr val="tx1"/>
+          </a:fontRef>
+        </p:style>
+      </p:cxnSp>
       <p:sp>
         <p:nvSpPr>
-          <p:cNvPr id="125" name="テキスト ボックス 124">
-            <a:extLst>
-              <a:ext uri="{FF2B5EF4-FFF2-40B4-BE49-F238E27FC236}">
-                <a16:creationId xmlns:a16="http://schemas.microsoft.com/office/drawing/2014/main" id="{95C24060-C00D-19D6-A7F7-A3EDCED5F93E}"/>
+          <p:cNvPr id="107" name="テキスト ボックス 106">
+            <a:extLst>
+              <a:ext uri="{FF2B5EF4-FFF2-40B4-BE49-F238E27FC236}">
+                <a16:creationId xmlns:a16="http://schemas.microsoft.com/office/drawing/2014/main" id="{3DB4A5D9-2BA4-F3F3-82D0-FFFAC5E1C191}"/>
               </a:ext>
             </a:extLst>
           </p:cNvPr>
@@ -8684,8 +9327,8 @@
         </p:nvSpPr>
         <p:spPr>
           <a:xfrm>
-            <a:off x="100951" y="4038106"/>
-            <a:ext cx="686022" cy="369332"/>
+            <a:off x="109077" y="4378618"/>
+            <a:ext cx="604268" cy="369332"/>
           </a:xfrm>
           <a:prstGeom prst="rect">
             <a:avLst/>
@@ -8708,7 +9351,51 @@
           <a:p>
             <a:r>
               <a:rPr kumimoji="1" lang="en-US" altLang="ja-JP" dirty="0"/>
-              <a:t>Paste</a:t>
+              <a:t> Tag </a:t>
+            </a:r>
+            <a:endParaRPr kumimoji="1" lang="ja-JP" altLang="en-US" dirty="0"/>
+          </a:p>
+        </p:txBody>
+      </p:sp>
+      <p:sp>
+        <p:nvSpPr>
+          <p:cNvPr id="111" name="テキスト ボックス 110">
+            <a:extLst>
+              <a:ext uri="{FF2B5EF4-FFF2-40B4-BE49-F238E27FC236}">
+                <a16:creationId xmlns:a16="http://schemas.microsoft.com/office/drawing/2014/main" id="{728B347A-D0FE-261C-A6F1-2EA745D28155}"/>
+              </a:ext>
+            </a:extLst>
+          </p:cNvPr>
+          <p:cNvSpPr txBox="1"/>
+          <p:nvPr/>
+        </p:nvSpPr>
+        <p:spPr>
+          <a:xfrm>
+            <a:off x="89584" y="1012284"/>
+            <a:ext cx="748923" cy="369332"/>
+          </a:xfrm>
+          <a:prstGeom prst="rect">
+            <a:avLst/>
+          </a:prstGeom>
+          <a:solidFill>
+            <a:schemeClr val="bg1"/>
+          </a:solidFill>
+          <a:ln>
+            <a:solidFill>
+              <a:schemeClr val="tx1"/>
+            </a:solidFill>
+            <a:prstDash val="dash"/>
+          </a:ln>
+        </p:spPr>
+        <p:txBody>
+          <a:bodyPr wrap="none" rtlCol="0">
+            <a:spAutoFit/>
+          </a:bodyPr>
+          <a:lstStyle/>
+          <a:p>
+            <a:r>
+              <a:rPr kumimoji="1" lang="en-US" altLang="ja-JP" dirty="0"/>
+              <a:t>Select</a:t>
             </a:r>
             <a:endParaRPr kumimoji="1" lang="ja-JP" altLang="en-US" dirty="0"/>
           </a:p>
@@ -10954,6 +11641,52 @@
         <p:spPr>
           <a:xfrm rot="10800000">
             <a:off x="3441533" y="1884979"/>
+            <a:ext cx="3600102" cy="742641"/>
+          </a:xfrm>
+          <a:prstGeom prst="bentConnector2">
+            <a:avLst/>
+          </a:prstGeom>
+          <a:ln>
+            <a:solidFill>
+              <a:schemeClr val="accent2"/>
+            </a:solidFill>
+            <a:prstDash val="sysDash"/>
+            <a:headEnd type="triangle" w="med" len="med"/>
+            <a:tailEnd type="none" w="med" len="med"/>
+          </a:ln>
+        </p:spPr>
+        <p:style>
+          <a:lnRef idx="3">
+            <a:schemeClr val="accent1"/>
+          </a:lnRef>
+          <a:fillRef idx="0">
+            <a:schemeClr val="accent1"/>
+          </a:fillRef>
+          <a:effectRef idx="2">
+            <a:schemeClr val="accent1"/>
+          </a:effectRef>
+          <a:fontRef idx="minor">
+            <a:schemeClr val="tx1"/>
+          </a:fontRef>
+        </p:style>
+      </p:cxnSp>
+      <p:cxnSp>
+        <p:nvCxnSpPr>
+          <p:cNvPr id="53" name="直線矢印コネクタ 54">
+            <a:extLst>
+              <a:ext uri="{FF2B5EF4-FFF2-40B4-BE49-F238E27FC236}">
+                <a16:creationId xmlns:a16="http://schemas.microsoft.com/office/drawing/2014/main" id="{A58E0B7F-92DD-295C-93DA-143E225C0446}"/>
+              </a:ext>
+            </a:extLst>
+          </p:cNvPr>
+          <p:cNvCxnSpPr>
+            <a:cxnSpLocks/>
+          </p:cNvCxnSpPr>
+          <p:nvPr/>
+        </p:nvCxnSpPr>
+        <p:spPr>
+          <a:xfrm rot="10800000">
+            <a:off x="3593933" y="2037379"/>
             <a:ext cx="3600102" cy="742641"/>
           </a:xfrm>
           <a:prstGeom prst="bentConnector2">

--- a/thinktank.pptx
+++ b/thinktank.pptx
@@ -3284,8 +3284,8 @@
         </p:nvSpPr>
         <p:spPr>
           <a:xfrm>
-            <a:off x="6639440" y="704978"/>
-            <a:ext cx="2482064" cy="6035429"/>
+            <a:off x="6639440" y="704979"/>
+            <a:ext cx="2482064" cy="5196002"/>
           </a:xfrm>
           <a:prstGeom prst="roundRect">
             <a:avLst>
@@ -3350,8 +3350,8 @@
         </p:nvSpPr>
         <p:spPr>
           <a:xfrm>
-            <a:off x="3030905" y="735524"/>
-            <a:ext cx="3525700" cy="5991255"/>
+            <a:off x="3030905" y="735525"/>
+            <a:ext cx="3525700" cy="5157972"/>
           </a:xfrm>
           <a:prstGeom prst="roundRect">
             <a:avLst>
@@ -3417,7 +3417,7 @@
         <p:spPr>
           <a:xfrm>
             <a:off x="3292509" y="1178137"/>
-            <a:ext cx="1360098" cy="374571"/>
+            <a:ext cx="1563296" cy="850090"/>
           </a:xfrm>
           <a:prstGeom prst="roundRect">
             <a:avLst/>
@@ -3444,7 +3444,7 @@
         </p:style>
         <p:txBody>
           <a:bodyPr wrap="square" rtlCol="0">
-            <a:spAutoFit/>
+            <a:noAutofit/>
           </a:bodyPr>
           <a:lstStyle/>
           <a:p>
@@ -3479,8 +3479,8 @@
         </p:nvSpPr>
         <p:spPr>
           <a:xfrm>
-            <a:off x="84273" y="762656"/>
-            <a:ext cx="2786249" cy="5986562"/>
+            <a:off x="92256" y="740217"/>
+            <a:ext cx="2786249" cy="5153932"/>
           </a:xfrm>
           <a:prstGeom prst="roundRect">
             <a:avLst>
@@ -3545,8 +3545,8 @@
         </p:nvSpPr>
         <p:spPr>
           <a:xfrm>
-            <a:off x="234875" y="1159523"/>
-            <a:ext cx="2395137" cy="2467799"/>
+            <a:off x="211241" y="1142237"/>
+            <a:ext cx="2492814" cy="3168219"/>
           </a:xfrm>
           <a:prstGeom prst="roundRect">
             <a:avLst>
@@ -3598,7 +3598,7 @@
         </p:nvSpPr>
         <p:spPr>
           <a:xfrm>
-            <a:off x="446404" y="1475906"/>
+            <a:off x="293895" y="1485057"/>
             <a:ext cx="600731" cy="374571"/>
           </a:xfrm>
           <a:prstGeom prst="roundRect">
@@ -3652,8 +3652,8 @@
         </p:nvSpPr>
         <p:spPr>
           <a:xfrm>
-            <a:off x="1802387" y="1496763"/>
-            <a:ext cx="685853" cy="374571"/>
+            <a:off x="1444631" y="1475906"/>
+            <a:ext cx="1137306" cy="374571"/>
           </a:xfrm>
           <a:prstGeom prst="roundRect">
             <a:avLst/>
@@ -3682,7 +3682,7 @@
           <a:p>
             <a:r>
               <a:rPr kumimoji="1" lang="en-US" altLang="ja-JP" sz="1600" dirty="0"/>
-              <a:t>event</a:t>
+              <a:t>view-event</a:t>
             </a:r>
             <a:endParaRPr kumimoji="1" lang="ja-JP" altLang="en-US" sz="1600" dirty="0"/>
           </a:p>
@@ -3705,9 +3705,9 @@
           <p:nvPr/>
         </p:nvCxnSpPr>
         <p:spPr>
-          <a:xfrm>
-            <a:off x="1047135" y="1663192"/>
-            <a:ext cx="755252" cy="20857"/>
+          <a:xfrm flipV="1">
+            <a:off x="894626" y="1663192"/>
+            <a:ext cx="550005" cy="9151"/>
           </a:xfrm>
           <a:prstGeom prst="line">
             <a:avLst/>
@@ -3750,7 +3750,7 @@
         </p:nvSpPr>
         <p:spPr>
           <a:xfrm>
-            <a:off x="6840334" y="1293764"/>
+            <a:off x="6840334" y="2137636"/>
             <a:ext cx="1954320" cy="2979739"/>
           </a:xfrm>
           <a:prstGeom prst="roundRect">
@@ -3787,7 +3787,7 @@
             <a:pPr algn="ctr"/>
             <a:r>
               <a:rPr kumimoji="1" lang="en-US" altLang="ja-JP" sz="1600" dirty="0"/>
-              <a:t>Model</a:t>
+              <a:t>Model Objects</a:t>
             </a:r>
             <a:endParaRPr kumimoji="1" lang="ja-JP" altLang="en-US" sz="1600" dirty="0"/>
           </a:p>
@@ -3807,8 +3807,8 @@
         </p:nvSpPr>
         <p:spPr>
           <a:xfrm>
-            <a:off x="7339327" y="3727590"/>
-            <a:ext cx="871554" cy="374571"/>
+            <a:off x="7089732" y="4571462"/>
+            <a:ext cx="1440245" cy="374571"/>
           </a:xfrm>
           <a:prstGeom prst="roundRect">
             <a:avLst/>
@@ -3842,7 +3842,7 @@
             <a:pPr algn="ctr"/>
             <a:r>
               <a:rPr kumimoji="1" lang="en-US" altLang="ja-JP" sz="1600" dirty="0"/>
-              <a:t>event</a:t>
+              <a:t>model- event</a:t>
             </a:r>
             <a:endParaRPr kumimoji="1" lang="ja-JP" altLang="en-US" sz="1600" dirty="0"/>
           </a:p>
@@ -3916,7 +3916,7 @@
         </p:nvSpPr>
         <p:spPr>
           <a:xfrm>
-            <a:off x="409570" y="244574"/>
+            <a:off x="194906" y="228007"/>
             <a:ext cx="745958" cy="374571"/>
           </a:xfrm>
           <a:prstGeom prst="roundRect">
@@ -3974,9 +3974,9 @@
           <p:nvPr/>
         </p:nvCxnSpPr>
         <p:spPr>
-          <a:xfrm flipH="1">
-            <a:off x="746770" y="619145"/>
-            <a:ext cx="35779" cy="856761"/>
+          <a:xfrm>
+            <a:off x="567885" y="602578"/>
+            <a:ext cx="26376" cy="882479"/>
           </a:xfrm>
           <a:prstGeom prst="line">
             <a:avLst/>
@@ -4019,7 +4019,7 @@
         </p:nvSpPr>
         <p:spPr>
           <a:xfrm>
-            <a:off x="3449321" y="1850477"/>
+            <a:off x="3449321" y="2402798"/>
             <a:ext cx="2574549" cy="2221154"/>
           </a:xfrm>
           <a:prstGeom prst="roundRect">
@@ -4056,7 +4056,7 @@
             <a:pPr algn="ctr"/>
             <a:r>
               <a:rPr kumimoji="1" lang="en-US" altLang="ja-JP" sz="1600" dirty="0"/>
-              <a:t>Control</a:t>
+              <a:t>Control Objects</a:t>
             </a:r>
             <a:endParaRPr kumimoji="1" lang="ja-JP" altLang="en-US" sz="1600" dirty="0"/>
           </a:p>
@@ -4079,9 +4079,9 @@
           <p:nvPr/>
         </p:nvCxnSpPr>
         <p:spPr>
-          <a:xfrm flipV="1">
-            <a:off x="6023870" y="2783634"/>
-            <a:ext cx="816464" cy="177420"/>
+          <a:xfrm>
+            <a:off x="6023870" y="3513375"/>
+            <a:ext cx="816464" cy="114131"/>
           </a:xfrm>
           <a:prstGeom prst="line">
             <a:avLst/>
@@ -4121,14 +4121,14 @@
           <p:cNvCxnSpPr>
             <a:cxnSpLocks/>
             <a:stCxn id="72" idx="1"/>
-            <a:endCxn id="7" idx="3"/>
+            <a:endCxn id="179" idx="3"/>
           </p:cNvCxnSpPr>
           <p:nvPr/>
         </p:nvCxnSpPr>
         <p:spPr>
           <a:xfrm flipH="1" flipV="1">
-            <a:off x="2630012" y="2393423"/>
-            <a:ext cx="819309" cy="567631"/>
+            <a:off x="2704055" y="3168289"/>
+            <a:ext cx="745266" cy="345086"/>
           </a:xfrm>
           <a:prstGeom prst="line">
             <a:avLst/>
@@ -4170,7 +4170,7 @@
         </p:nvSpPr>
         <p:spPr>
           <a:xfrm>
-            <a:off x="3660558" y="2225048"/>
+            <a:off x="3660558" y="2777369"/>
             <a:ext cx="2254463" cy="1815882"/>
           </a:xfrm>
           <a:prstGeom prst="rect">
@@ -4339,7 +4339,7 @@
         </p:nvSpPr>
         <p:spPr>
           <a:xfrm>
-            <a:off x="7158153" y="1697493"/>
+            <a:off x="7158153" y="2541365"/>
             <a:ext cx="1548373" cy="1815882"/>
           </a:xfrm>
           <a:prstGeom prst="rect">
@@ -4456,7 +4456,7 @@
         </p:nvSpPr>
         <p:spPr>
           <a:xfrm>
-            <a:off x="470923" y="2043560"/>
+            <a:off x="488832" y="2480445"/>
             <a:ext cx="1727176" cy="1384995"/>
           </a:xfrm>
           <a:prstGeom prst="rect">
@@ -4611,8 +4611,8 @@
         </p:nvCxnSpPr>
         <p:spPr>
           <a:xfrm flipV="1">
-            <a:off x="2488240" y="1365423"/>
-            <a:ext cx="804269" cy="318626"/>
+            <a:off x="2581937" y="1603182"/>
+            <a:ext cx="710572" cy="60010"/>
           </a:xfrm>
           <a:prstGeom prst="line">
             <a:avLst/>
@@ -4655,8 +4655,8 @@
         </p:nvCxnSpPr>
         <p:spPr>
           <a:xfrm flipH="1">
-            <a:off x="6214562" y="3914876"/>
-            <a:ext cx="1124765" cy="923947"/>
+            <a:off x="5680246" y="4758748"/>
+            <a:ext cx="1409486" cy="510778"/>
           </a:xfrm>
           <a:prstGeom prst="line">
             <a:avLst/>
@@ -4772,8 +4772,8 @@
         </p:nvCxnSpPr>
         <p:spPr>
           <a:xfrm>
-            <a:off x="3972558" y="1552708"/>
-            <a:ext cx="764038" cy="297769"/>
+            <a:off x="4074157" y="2028227"/>
+            <a:ext cx="662439" cy="374571"/>
           </a:xfrm>
           <a:prstGeom prst="line">
             <a:avLst/>
@@ -4982,8 +4982,8 @@
         </p:nvSpPr>
         <p:spPr>
           <a:xfrm>
-            <a:off x="1385655" y="2277000"/>
-            <a:ext cx="1153779" cy="1169551"/>
+            <a:off x="1408810" y="2583513"/>
+            <a:ext cx="1295245" cy="1169551"/>
           </a:xfrm>
           <a:prstGeom prst="rect">
             <a:avLst/>
@@ -5082,8 +5082,8 @@
         </p:nvSpPr>
         <p:spPr>
           <a:xfrm>
-            <a:off x="4754307" y="4651537"/>
-            <a:ext cx="1460255" cy="374571"/>
+            <a:off x="3841872" y="4946033"/>
+            <a:ext cx="1838374" cy="646986"/>
           </a:xfrm>
           <a:prstGeom prst="roundRect">
             <a:avLst/>
@@ -5114,10 +5114,27 @@
           </a:bodyPr>
           <a:lstStyle/>
           <a:p>
-            <a:pPr algn="ctr"/>
+            <a:r>
+              <a:rPr kumimoji="1" lang="ja-JP" altLang="en-US" sz="1600" dirty="0"/>
+              <a:t>↓ </a:t>
+            </a:r>
             <a:r>
               <a:rPr kumimoji="1" lang="en-US" altLang="ja-JP" sz="1600" dirty="0"/>
               <a:t>Static::Action</a:t>
+            </a:r>
+          </a:p>
+          <a:p>
+            <a:r>
+              <a:rPr kumimoji="1" lang="ja-JP" altLang="en-US" sz="1600" dirty="0"/>
+              <a:t>↓ </a:t>
+            </a:r>
+            <a:r>
+              <a:rPr kumimoji="1" lang="en-US" altLang="ja-JP" sz="1600" dirty="0" err="1"/>
+              <a:t>tttact</a:t>
+            </a:r>
+            <a:r>
+              <a:rPr kumimoji="1" lang="en-US" altLang="ja-JP" sz="1600" dirty="0"/>
+              <a:t>_*</a:t>
             </a:r>
             <a:endParaRPr kumimoji="1" lang="ja-JP" altLang="en-US" sz="1600" dirty="0"/>
           </a:p>
@@ -5137,8 +5154,8 @@
         </p:nvSpPr>
         <p:spPr>
           <a:xfrm>
-            <a:off x="5000197" y="1178137"/>
-            <a:ext cx="1360098" cy="374571"/>
+            <a:off x="5215882" y="1527643"/>
+            <a:ext cx="1055522" cy="374571"/>
           </a:xfrm>
           <a:prstGeom prst="roundRect">
             <a:avLst/>
@@ -5193,15 +5210,15 @@
           </p:cNvPr>
           <p:cNvCxnSpPr>
             <a:cxnSpLocks/>
-            <a:stCxn id="23" idx="3"/>
+            <a:stCxn id="153" idx="3"/>
             <a:endCxn id="90" idx="1"/>
           </p:cNvCxnSpPr>
           <p:nvPr/>
         </p:nvCxnSpPr>
         <p:spPr>
-          <a:xfrm>
-            <a:off x="4652607" y="1365423"/>
-            <a:ext cx="347590" cy="0"/>
+          <a:xfrm flipV="1">
+            <a:off x="4660396" y="1714929"/>
+            <a:ext cx="555486" cy="12820"/>
           </a:xfrm>
           <a:prstGeom prst="line">
             <a:avLst/>
@@ -5247,8 +5264,8 @@
         </p:nvCxnSpPr>
         <p:spPr>
           <a:xfrm flipH="1">
-            <a:off x="4736596" y="1552708"/>
-            <a:ext cx="943650" cy="297769"/>
+            <a:off x="4736596" y="1902214"/>
+            <a:ext cx="1007047" cy="500584"/>
           </a:xfrm>
           <a:prstGeom prst="line">
             <a:avLst/>
@@ -5276,12 +5293,59 @@
           </a:fontRef>
         </p:style>
       </p:cxnSp>
+      <p:cxnSp>
+        <p:nvCxnSpPr>
+          <p:cNvPr id="109" name="直線コネクタ 108">
+            <a:extLst>
+              <a:ext uri="{FF2B5EF4-FFF2-40B4-BE49-F238E27FC236}">
+                <a16:creationId xmlns:a16="http://schemas.microsoft.com/office/drawing/2014/main" id="{F3E07B86-85B4-CE1F-E030-750F73F26D19}"/>
+              </a:ext>
+            </a:extLst>
+          </p:cNvPr>
+          <p:cNvCxnSpPr>
+            <a:cxnSpLocks/>
+            <a:stCxn id="73" idx="0"/>
+            <a:endCxn id="72" idx="2"/>
+          </p:cNvCxnSpPr>
+          <p:nvPr/>
+        </p:nvCxnSpPr>
+        <p:spPr>
+          <a:xfrm flipH="1" flipV="1">
+            <a:off x="4736596" y="4623952"/>
+            <a:ext cx="24463" cy="322081"/>
+          </a:xfrm>
+          <a:prstGeom prst="line">
+            <a:avLst/>
+          </a:prstGeom>
+          <a:ln w="57150">
+            <a:solidFill>
+              <a:schemeClr val="accent6"/>
+            </a:solidFill>
+            <a:headEnd type="none" w="med" len="med"/>
+            <a:tailEnd type="triangle" w="med" len="med"/>
+          </a:ln>
+        </p:spPr>
+        <p:style>
+          <a:lnRef idx="1">
+            <a:schemeClr val="accent1"/>
+          </a:lnRef>
+          <a:fillRef idx="0">
+            <a:schemeClr val="accent1"/>
+          </a:fillRef>
+          <a:effectRef idx="0">
+            <a:schemeClr val="accent1"/>
+          </a:effectRef>
+          <a:fontRef idx="minor">
+            <a:schemeClr val="tx1"/>
+          </a:fontRef>
+        </p:style>
+      </p:cxnSp>
       <p:sp>
         <p:nvSpPr>
-          <p:cNvPr id="101" name="テキスト ボックス 100">
-            <a:extLst>
-              <a:ext uri="{FF2B5EF4-FFF2-40B4-BE49-F238E27FC236}">
-                <a16:creationId xmlns:a16="http://schemas.microsoft.com/office/drawing/2014/main" id="{7FD92C28-6C18-3074-C3EA-810A296186B8}"/>
+          <p:cNvPr id="153" name="テキスト ボックス 152">
+            <a:extLst>
+              <a:ext uri="{FF2B5EF4-FFF2-40B4-BE49-F238E27FC236}">
+                <a16:creationId xmlns:a16="http://schemas.microsoft.com/office/drawing/2014/main" id="{487F853D-7D48-77AF-E5B0-810EDA399F4D}"/>
               </a:ext>
             </a:extLst>
           </p:cNvPr>
@@ -5290,8 +5354,8 @@
         </p:nvSpPr>
         <p:spPr>
           <a:xfrm>
-            <a:off x="3149565" y="4651537"/>
-            <a:ext cx="1240129" cy="374571"/>
+            <a:off x="3456837" y="1540463"/>
+            <a:ext cx="1203559" cy="374571"/>
           </a:xfrm>
           <a:prstGeom prst="roundRect">
             <a:avLst/>
@@ -5324,158 +5388,13 @@
           <a:p>
             <a:pPr algn="ctr"/>
             <a:r>
-              <a:rPr kumimoji="1" lang="en-US" altLang="ja-JP" sz="1600" dirty="0" err="1"/>
-              <a:t>ttact</a:t>
-            </a:r>
-            <a:r>
               <a:rPr kumimoji="1" lang="en-US" altLang="ja-JP" sz="1600" dirty="0"/>
-              <a:t>_*</a:t>
+              <a:t>key-event</a:t>
             </a:r>
             <a:endParaRPr kumimoji="1" lang="ja-JP" altLang="en-US" sz="1600" dirty="0"/>
           </a:p>
         </p:txBody>
       </p:sp>
-      <p:cxnSp>
-        <p:nvCxnSpPr>
-          <p:cNvPr id="102" name="直線コネクタ 101">
-            <a:extLst>
-              <a:ext uri="{FF2B5EF4-FFF2-40B4-BE49-F238E27FC236}">
-                <a16:creationId xmlns:a16="http://schemas.microsoft.com/office/drawing/2014/main" id="{A0F456CD-771F-BA9C-CC0D-E724DB9294C2}"/>
-              </a:ext>
-            </a:extLst>
-          </p:cNvPr>
-          <p:cNvCxnSpPr>
-            <a:cxnSpLocks/>
-            <a:stCxn id="73" idx="1"/>
-            <a:endCxn id="101" idx="3"/>
-          </p:cNvCxnSpPr>
-          <p:nvPr/>
-        </p:nvCxnSpPr>
-        <p:spPr>
-          <a:xfrm flipH="1">
-            <a:off x="4389694" y="4838823"/>
-            <a:ext cx="364613" cy="0"/>
-          </a:xfrm>
-          <a:prstGeom prst="line">
-            <a:avLst/>
-          </a:prstGeom>
-          <a:ln w="57150">
-            <a:solidFill>
-              <a:schemeClr val="accent6"/>
-            </a:solidFill>
-            <a:headEnd type="none" w="med" len="med"/>
-            <a:tailEnd type="triangle" w="med" len="med"/>
-          </a:ln>
-        </p:spPr>
-        <p:style>
-          <a:lnRef idx="1">
-            <a:schemeClr val="accent1"/>
-          </a:lnRef>
-          <a:fillRef idx="0">
-            <a:schemeClr val="accent1"/>
-          </a:fillRef>
-          <a:effectRef idx="0">
-            <a:schemeClr val="accent1"/>
-          </a:effectRef>
-          <a:fontRef idx="minor">
-            <a:schemeClr val="tx1"/>
-          </a:fontRef>
-        </p:style>
-      </p:cxnSp>
-      <p:cxnSp>
-        <p:nvCxnSpPr>
-          <p:cNvPr id="109" name="直線コネクタ 108">
-            <a:extLst>
-              <a:ext uri="{FF2B5EF4-FFF2-40B4-BE49-F238E27FC236}">
-                <a16:creationId xmlns:a16="http://schemas.microsoft.com/office/drawing/2014/main" id="{F3E07B86-85B4-CE1F-E030-750F73F26D19}"/>
-              </a:ext>
-            </a:extLst>
-          </p:cNvPr>
-          <p:cNvCxnSpPr>
-            <a:cxnSpLocks/>
-            <a:stCxn id="73" idx="0"/>
-            <a:endCxn id="72" idx="2"/>
-          </p:cNvCxnSpPr>
-          <p:nvPr/>
-        </p:nvCxnSpPr>
-        <p:spPr>
-          <a:xfrm flipH="1" flipV="1">
-            <a:off x="4736596" y="4071631"/>
-            <a:ext cx="747839" cy="579906"/>
-          </a:xfrm>
-          <a:prstGeom prst="line">
-            <a:avLst/>
-          </a:prstGeom>
-          <a:ln w="57150">
-            <a:solidFill>
-              <a:schemeClr val="accent6"/>
-            </a:solidFill>
-            <a:headEnd type="none" w="med" len="med"/>
-            <a:tailEnd type="triangle" w="med" len="med"/>
-          </a:ln>
-        </p:spPr>
-        <p:style>
-          <a:lnRef idx="1">
-            <a:schemeClr val="accent1"/>
-          </a:lnRef>
-          <a:fillRef idx="0">
-            <a:schemeClr val="accent1"/>
-          </a:fillRef>
-          <a:effectRef idx="0">
-            <a:schemeClr val="accent1"/>
-          </a:effectRef>
-          <a:fontRef idx="minor">
-            <a:schemeClr val="tx1"/>
-          </a:fontRef>
-        </p:style>
-      </p:cxnSp>
-      <p:cxnSp>
-        <p:nvCxnSpPr>
-          <p:cNvPr id="110" name="直線コネクタ 109">
-            <a:extLst>
-              <a:ext uri="{FF2B5EF4-FFF2-40B4-BE49-F238E27FC236}">
-                <a16:creationId xmlns:a16="http://schemas.microsoft.com/office/drawing/2014/main" id="{F1ED3249-95DE-3CAC-1D90-2894573D6DBA}"/>
-              </a:ext>
-            </a:extLst>
-          </p:cNvPr>
-          <p:cNvCxnSpPr>
-            <a:cxnSpLocks/>
-            <a:stCxn id="101" idx="0"/>
-            <a:endCxn id="72" idx="2"/>
-          </p:cNvCxnSpPr>
-          <p:nvPr/>
-        </p:nvCxnSpPr>
-        <p:spPr>
-          <a:xfrm flipV="1">
-            <a:off x="3769630" y="4071631"/>
-            <a:ext cx="966966" cy="579906"/>
-          </a:xfrm>
-          <a:prstGeom prst="line">
-            <a:avLst/>
-          </a:prstGeom>
-          <a:ln w="57150">
-            <a:solidFill>
-              <a:schemeClr val="accent6"/>
-            </a:solidFill>
-            <a:headEnd type="none" w="med" len="med"/>
-            <a:tailEnd type="triangle" w="med" len="med"/>
-          </a:ln>
-        </p:spPr>
-        <p:style>
-          <a:lnRef idx="1">
-            <a:schemeClr val="accent1"/>
-          </a:lnRef>
-          <a:fillRef idx="0">
-            <a:schemeClr val="accent1"/>
-          </a:fillRef>
-          <a:effectRef idx="0">
-            <a:schemeClr val="accent1"/>
-          </a:effectRef>
-          <a:fontRef idx="minor">
-            <a:schemeClr val="tx1"/>
-          </a:fontRef>
-        </p:style>
-      </p:cxnSp>
     </p:spTree>
     <p:extLst>
       <p:ext uri="{BB962C8B-B14F-4D97-AF65-F5344CB8AC3E}">
